--- a/macro_ARC_meeting/Lc_prompt_ratio.pptx
+++ b/macro_ARC_meeting/Lc_prompt_ratio.pptx
@@ -5,10 +5,13 @@
     <p:sldMasterId id="2147483648" r:id="rId1"/>
   </p:sldMasterIdLst>
   <p:sldIdLst>
-    <p:sldId id="259" r:id="rId2"/>
-    <p:sldId id="257" r:id="rId3"/>
-    <p:sldId id="258" r:id="rId4"/>
-    <p:sldId id="260" r:id="rId5"/>
+    <p:sldId id="257" r:id="rId2"/>
+    <p:sldId id="263" r:id="rId3"/>
+    <p:sldId id="261" r:id="rId4"/>
+    <p:sldId id="264" r:id="rId5"/>
+    <p:sldId id="258" r:id="rId6"/>
+    <p:sldId id="265" r:id="rId7"/>
+    <p:sldId id="259" r:id="rId8"/>
   </p:sldIdLst>
   <p:sldSz cx="12192000" cy="6858000"/>
   <p:notesSz cx="6858000" cy="9144000"/>
@@ -262,7 +265,7 @@
           <a:p>
             <a:fld id="{2A4151A8-F50A-4271-A5BA-5F1AE7518960}" type="datetimeFigureOut">
               <a:rPr lang="en-US" smtClean="0"/>
-              <a:t>2/17/2022</a:t>
+              <a:t>2/25/2022</a:t>
             </a:fld>
             <a:endParaRPr lang="en-US"/>
           </a:p>
@@ -460,7 +463,7 @@
           <a:p>
             <a:fld id="{2A4151A8-F50A-4271-A5BA-5F1AE7518960}" type="datetimeFigureOut">
               <a:rPr lang="en-US" smtClean="0"/>
-              <a:t>2/17/2022</a:t>
+              <a:t>2/25/2022</a:t>
             </a:fld>
             <a:endParaRPr lang="en-US"/>
           </a:p>
@@ -668,7 +671,7 @@
           <a:p>
             <a:fld id="{2A4151A8-F50A-4271-A5BA-5F1AE7518960}" type="datetimeFigureOut">
               <a:rPr lang="en-US" smtClean="0"/>
-              <a:t>2/17/2022</a:t>
+              <a:t>2/25/2022</a:t>
             </a:fld>
             <a:endParaRPr lang="en-US"/>
           </a:p>
@@ -866,7 +869,7 @@
           <a:p>
             <a:fld id="{2A4151A8-F50A-4271-A5BA-5F1AE7518960}" type="datetimeFigureOut">
               <a:rPr lang="en-US" smtClean="0"/>
-              <a:t>2/17/2022</a:t>
+              <a:t>2/25/2022</a:t>
             </a:fld>
             <a:endParaRPr lang="en-US"/>
           </a:p>
@@ -1141,7 +1144,7 @@
           <a:p>
             <a:fld id="{2A4151A8-F50A-4271-A5BA-5F1AE7518960}" type="datetimeFigureOut">
               <a:rPr lang="en-US" smtClean="0"/>
-              <a:t>2/17/2022</a:t>
+              <a:t>2/25/2022</a:t>
             </a:fld>
             <a:endParaRPr lang="en-US"/>
           </a:p>
@@ -1406,7 +1409,7 @@
           <a:p>
             <a:fld id="{2A4151A8-F50A-4271-A5BA-5F1AE7518960}" type="datetimeFigureOut">
               <a:rPr lang="en-US" smtClean="0"/>
-              <a:t>2/17/2022</a:t>
+              <a:t>2/25/2022</a:t>
             </a:fld>
             <a:endParaRPr lang="en-US"/>
           </a:p>
@@ -1818,7 +1821,7 @@
           <a:p>
             <a:fld id="{2A4151A8-F50A-4271-A5BA-5F1AE7518960}" type="datetimeFigureOut">
               <a:rPr lang="en-US" smtClean="0"/>
-              <a:t>2/17/2022</a:t>
+              <a:t>2/25/2022</a:t>
             </a:fld>
             <a:endParaRPr lang="en-US"/>
           </a:p>
@@ -1959,7 +1962,7 @@
           <a:p>
             <a:fld id="{2A4151A8-F50A-4271-A5BA-5F1AE7518960}" type="datetimeFigureOut">
               <a:rPr lang="en-US" smtClean="0"/>
-              <a:t>2/17/2022</a:t>
+              <a:t>2/25/2022</a:t>
             </a:fld>
             <a:endParaRPr lang="en-US"/>
           </a:p>
@@ -2072,7 +2075,7 @@
           <a:p>
             <a:fld id="{2A4151A8-F50A-4271-A5BA-5F1AE7518960}" type="datetimeFigureOut">
               <a:rPr lang="en-US" smtClean="0"/>
-              <a:t>2/17/2022</a:t>
+              <a:t>2/25/2022</a:t>
             </a:fld>
             <a:endParaRPr lang="en-US"/>
           </a:p>
@@ -2383,7 +2386,7 @@
           <a:p>
             <a:fld id="{2A4151A8-F50A-4271-A5BA-5F1AE7518960}" type="datetimeFigureOut">
               <a:rPr lang="en-US" smtClean="0"/>
-              <a:t>2/17/2022</a:t>
+              <a:t>2/25/2022</a:t>
             </a:fld>
             <a:endParaRPr lang="en-US"/>
           </a:p>
@@ -2671,7 +2674,7 @@
           <a:p>
             <a:fld id="{2A4151A8-F50A-4271-A5BA-5F1AE7518960}" type="datetimeFigureOut">
               <a:rPr lang="en-US" smtClean="0"/>
-              <a:t>2/17/2022</a:t>
+              <a:t>2/25/2022</a:t>
             </a:fld>
             <a:endParaRPr lang="en-US"/>
           </a:p>
@@ -2912,7 +2915,7 @@
           <a:p>
             <a:fld id="{2A4151A8-F50A-4271-A5BA-5F1AE7518960}" type="datetimeFigureOut">
               <a:rPr lang="en-US" smtClean="0"/>
-              <a:t>2/17/2022</a:t>
+              <a:t>2/25/2022</a:t>
             </a:fld>
             <a:endParaRPr lang="en-US"/>
           </a:p>
@@ -3329,12 +3332,48 @@
           <a:chExt cx="0" cy="0"/>
         </a:xfrm>
       </p:grpSpPr>
-      <p:sp>
-        <p:nvSpPr>
-          <p:cNvPr id="2" name="TextBox 1">
-            <a:extLst>
-              <a:ext uri="{FF2B5EF4-FFF2-40B4-BE49-F238E27FC236}">
-                <a16:creationId xmlns:a16="http://schemas.microsoft.com/office/drawing/2014/main" id="{9C6ACDE1-6C9B-40D4-B2C9-1468233127BF}"/>
+      <p:pic>
+        <p:nvPicPr>
+          <p:cNvPr id="6" name="Picture 5" descr="Chart&#10;&#10;Description automatically generated">
+            <a:extLst>
+              <a:ext uri="{FF2B5EF4-FFF2-40B4-BE49-F238E27FC236}">
+                <a16:creationId xmlns:a16="http://schemas.microsoft.com/office/drawing/2014/main" id="{8101B9CC-22A8-4EB6-92E4-DA46A2B6AFCB}"/>
+              </a:ext>
+            </a:extLst>
+          </p:cNvPr>
+          <p:cNvPicPr>
+            <a:picLocks noChangeAspect="1"/>
+          </p:cNvPicPr>
+          <p:nvPr/>
+        </p:nvPicPr>
+        <p:blipFill>
+          <a:blip r:embed="rId2">
+            <a:extLst>
+              <a:ext uri="{28A0092B-C50C-407E-A947-70E740481C1C}">
+                <a14:useLocalDpi xmlns:a14="http://schemas.microsoft.com/office/drawing/2010/main" val="0"/>
+              </a:ext>
+            </a:extLst>
+          </a:blip>
+          <a:stretch>
+            <a:fillRect/>
+          </a:stretch>
+        </p:blipFill>
+        <p:spPr>
+          <a:xfrm>
+            <a:off x="-73519" y="803065"/>
+            <a:ext cx="12192000" cy="4133768"/>
+          </a:xfrm>
+          <a:prstGeom prst="rect">
+            <a:avLst/>
+          </a:prstGeom>
+        </p:spPr>
+      </p:pic>
+      <p:sp>
+        <p:nvSpPr>
+          <p:cNvPr id="4" name="TextBox 3">
+            <a:extLst>
+              <a:ext uri="{FF2B5EF4-FFF2-40B4-BE49-F238E27FC236}">
+                <a16:creationId xmlns:a16="http://schemas.microsoft.com/office/drawing/2014/main" id="{45BDC2CE-8351-4B41-A30F-4AF088CC5DB2}"/>
               </a:ext>
             </a:extLst>
           </p:cNvPr>
@@ -3343,8 +3382,8 @@
         </p:nvSpPr>
         <p:spPr>
           <a:xfrm>
-            <a:off x="143692" y="197346"/>
-            <a:ext cx="6557555" cy="6463308"/>
+            <a:off x="2452450" y="1635900"/>
+            <a:ext cx="3304903" cy="923330"/>
           </a:xfrm>
           <a:prstGeom prst="rect">
             <a:avLst/>
@@ -3359,455 +3398,29 @@
           <a:p>
             <a:r>
               <a:rPr lang="en-US" dirty="0"/>
-              <a:t> </a:t>
-            </a:r>
-            <a:r>
-              <a:rPr lang="en-US" dirty="0" err="1"/>
-              <a:t>pythia.readString</a:t>
-            </a:r>
-            <a:r>
-              <a:rPr lang="en-US" dirty="0"/>
-              <a:t>("</a:t>
-            </a:r>
-            <a:r>
-              <a:rPr lang="en-US" dirty="0" err="1"/>
-              <a:t>SoftQCD:nonDiffractive</a:t>
-            </a:r>
-            <a:r>
-              <a:rPr lang="en-US" dirty="0"/>
-              <a:t> = on");</a:t>
-            </a:r>
-          </a:p>
-          <a:p>
-            <a:r>
-              <a:rPr lang="en-US" dirty="0"/>
-              <a:t>// Color reconnection tune (CR) mode2 </a:t>
-            </a:r>
-          </a:p>
-          <a:p>
-            <a:r>
-              <a:rPr lang="en-US" dirty="0"/>
-              <a:t>  </a:t>
-            </a:r>
-            <a:r>
-              <a:rPr lang="en-US" dirty="0" err="1"/>
-              <a:t>pythia.readString</a:t>
-            </a:r>
-            <a:r>
-              <a:rPr lang="en-US" dirty="0"/>
-              <a:t>("</a:t>
-            </a:r>
-            <a:r>
-              <a:rPr lang="en-US" dirty="0" err="1"/>
-              <a:t>Tune:pp</a:t>
-            </a:r>
-            <a:r>
-              <a:rPr lang="en-US" dirty="0"/>
-              <a:t> 14");</a:t>
-            </a:r>
-          </a:p>
-          <a:p>
-            <a:r>
-              <a:rPr lang="en-US" dirty="0"/>
-              <a:t>  </a:t>
-            </a:r>
-            <a:r>
-              <a:rPr lang="en-US" dirty="0" err="1"/>
-              <a:t>pythia.readString</a:t>
-            </a:r>
-            <a:r>
-              <a:rPr lang="en-US" dirty="0"/>
-              <a:t>("</a:t>
-            </a:r>
-            <a:r>
-              <a:rPr lang="en-US" dirty="0" err="1"/>
-              <a:t>Tune:ee</a:t>
-            </a:r>
-            <a:r>
-              <a:rPr lang="en-US" dirty="0"/>
-              <a:t> 7");</a:t>
-            </a:r>
-          </a:p>
-          <a:p>
-            <a:r>
-              <a:rPr lang="en-US" dirty="0"/>
-              <a:t>  </a:t>
-            </a:r>
-            <a:r>
-              <a:rPr lang="en-US" dirty="0" err="1"/>
-              <a:t>pythia.readString</a:t>
-            </a:r>
-            <a:r>
-              <a:rPr lang="en-US" dirty="0"/>
-              <a:t>("</a:t>
-            </a:r>
-            <a:r>
-              <a:rPr lang="en-US" dirty="0" err="1"/>
-              <a:t>MultipartonInteractions:ecmPow</a:t>
-            </a:r>
-            <a:r>
-              <a:rPr lang="en-US" dirty="0"/>
-              <a:t>=0.215");</a:t>
-            </a:r>
-          </a:p>
-          <a:p>
-            <a:r>
-              <a:rPr lang="en-US" dirty="0"/>
-              <a:t>  </a:t>
-            </a:r>
-            <a:r>
-              <a:rPr lang="en-US" dirty="0" err="1"/>
-              <a:t>pythia.readString</a:t>
-            </a:r>
-            <a:r>
-              <a:rPr lang="en-US" dirty="0"/>
-              <a:t>("</a:t>
-            </a:r>
-            <a:r>
-              <a:rPr lang="en-US" dirty="0" err="1"/>
-              <a:t>MultipartonInteractions:expPow</a:t>
-            </a:r>
-            <a:r>
-              <a:rPr lang="en-US" dirty="0"/>
-              <a:t>=1.85");</a:t>
-            </a:r>
-          </a:p>
-          <a:p>
-            <a:r>
-              <a:rPr lang="en-US" dirty="0"/>
-              <a:t>  </a:t>
-            </a:r>
-            <a:r>
-              <a:rPr lang="en-US" dirty="0" err="1"/>
-              <a:t>pythia.readString</a:t>
-            </a:r>
-            <a:r>
-              <a:rPr lang="en-US" dirty="0"/>
-              <a:t>("</a:t>
-            </a:r>
-            <a:r>
-              <a:rPr lang="en-US" dirty="0" err="1"/>
-              <a:t>StringPT:sigma</a:t>
-            </a:r>
-            <a:r>
-              <a:rPr lang="en-US" dirty="0"/>
-              <a:t> =0.335");</a:t>
-            </a:r>
-          </a:p>
-          <a:p>
-            <a:r>
-              <a:rPr lang="en-US" dirty="0"/>
-              <a:t>  </a:t>
-            </a:r>
-            <a:r>
-              <a:rPr lang="en-US" dirty="0" err="1"/>
-              <a:t>pythia.readString</a:t>
-            </a:r>
-            <a:r>
-              <a:rPr lang="en-US" dirty="0"/>
-              <a:t>("</a:t>
-            </a:r>
-            <a:r>
-              <a:rPr lang="en-US" dirty="0" err="1"/>
-              <a:t>StringZ:aLund</a:t>
-            </a:r>
-            <a:r>
-              <a:rPr lang="en-US" dirty="0"/>
-              <a:t> =0.36");</a:t>
-            </a:r>
-          </a:p>
-          <a:p>
-            <a:r>
-              <a:rPr lang="en-US" dirty="0"/>
-              <a:t>  </a:t>
-            </a:r>
-            <a:r>
-              <a:rPr lang="en-US" dirty="0" err="1"/>
-              <a:t>pythia.readString</a:t>
-            </a:r>
-            <a:r>
-              <a:rPr lang="en-US" dirty="0"/>
-              <a:t>("</a:t>
-            </a:r>
-            <a:r>
-              <a:rPr lang="en-US" dirty="0" err="1"/>
-              <a:t>StringZ:bLund</a:t>
-            </a:r>
-            <a:r>
-              <a:rPr lang="en-US" dirty="0"/>
-              <a:t> =0.56");</a:t>
-            </a:r>
-          </a:p>
-          <a:p>
-            <a:r>
-              <a:rPr lang="en-US" dirty="0"/>
-              <a:t>  </a:t>
-            </a:r>
-            <a:r>
-              <a:rPr lang="en-US" dirty="0" err="1"/>
-              <a:t>pythia.readString</a:t>
-            </a:r>
-            <a:r>
-              <a:rPr lang="en-US" dirty="0"/>
-              <a:t>("</a:t>
-            </a:r>
-            <a:r>
-              <a:rPr lang="en-US" dirty="0" err="1"/>
-              <a:t>StringFlav:probQQtoQ</a:t>
-            </a:r>
-            <a:r>
-              <a:rPr lang="en-US" dirty="0"/>
-              <a:t> =0.078");</a:t>
-            </a:r>
-          </a:p>
-          <a:p>
-            <a:r>
-              <a:rPr lang="en-US" dirty="0"/>
-              <a:t>  </a:t>
-            </a:r>
-            <a:r>
-              <a:rPr lang="en-US" dirty="0" err="1"/>
-              <a:t>pythia.readString</a:t>
-            </a:r>
-            <a:r>
-              <a:rPr lang="en-US" dirty="0"/>
-              <a:t>("</a:t>
-            </a:r>
-            <a:r>
-              <a:rPr lang="en-US" dirty="0" err="1"/>
-              <a:t>StringFlav:ProbStoUD</a:t>
-            </a:r>
-            <a:r>
-              <a:rPr lang="en-US" dirty="0"/>
-              <a:t> =0.2");</a:t>
-            </a:r>
-          </a:p>
-          <a:p>
-            <a:r>
-              <a:rPr lang="en-US" dirty="0"/>
-              <a:t>  </a:t>
-            </a:r>
-            <a:r>
-              <a:rPr lang="en-US" dirty="0" err="1"/>
-              <a:t>pythia.readString</a:t>
-            </a:r>
-            <a:r>
-              <a:rPr lang="en-US" dirty="0"/>
-              <a:t>("StringFlav:probQQ1toQQ0join = 0.0275,0.0275,0.0275,0.0275");</a:t>
-            </a:r>
-          </a:p>
-          <a:p>
-            <a:r>
-              <a:rPr lang="en-US" dirty="0"/>
-              <a:t>  </a:t>
-            </a:r>
-            <a:r>
-              <a:rPr lang="en-US" dirty="0" err="1"/>
-              <a:t>pythia.readString</a:t>
-            </a:r>
-            <a:r>
-              <a:rPr lang="en-US" dirty="0"/>
-              <a:t>("MultiPartonInteractions:pT0Ref =2.15");</a:t>
-            </a:r>
-          </a:p>
-          <a:p>
-            <a:r>
-              <a:rPr lang="en-US" dirty="0"/>
-              <a:t>  </a:t>
-            </a:r>
-            <a:r>
-              <a:rPr lang="en-US" dirty="0" err="1"/>
-              <a:t>pythia.readString</a:t>
-            </a:r>
-            <a:r>
-              <a:rPr lang="en-US" dirty="0"/>
-              <a:t>("</a:t>
-            </a:r>
-            <a:r>
-              <a:rPr lang="en-US" dirty="0" err="1"/>
-              <a:t>BeamRemnants:remnantMode</a:t>
-            </a:r>
-            <a:r>
-              <a:rPr lang="en-US" dirty="0"/>
-              <a:t> =1");</a:t>
-            </a:r>
-          </a:p>
-          <a:p>
-            <a:r>
-              <a:rPr lang="en-US" dirty="0"/>
-              <a:t>  </a:t>
-            </a:r>
-            <a:r>
-              <a:rPr lang="en-US" dirty="0" err="1"/>
-              <a:t>pythia.readString</a:t>
-            </a:r>
-            <a:r>
-              <a:rPr lang="en-US" dirty="0"/>
-              <a:t>("</a:t>
-            </a:r>
-            <a:r>
-              <a:rPr lang="en-US" dirty="0" err="1"/>
-              <a:t>BeamRemnants:saturation</a:t>
-            </a:r>
-            <a:r>
-              <a:rPr lang="en-US" dirty="0"/>
-              <a:t>= 5");</a:t>
-            </a:r>
-          </a:p>
-          <a:p>
-            <a:r>
-              <a:rPr lang="en-US" dirty="0"/>
-              <a:t>  </a:t>
-            </a:r>
-            <a:r>
-              <a:rPr lang="en-US" dirty="0" err="1"/>
-              <a:t>pythia.readString</a:t>
-            </a:r>
-            <a:r>
-              <a:rPr lang="en-US" dirty="0"/>
-              <a:t>("</a:t>
-            </a:r>
-            <a:r>
-              <a:rPr lang="en-US" dirty="0" err="1"/>
-              <a:t>ColourReconnection:mode</a:t>
-            </a:r>
-            <a:r>
-              <a:rPr lang="en-US" dirty="0"/>
-              <a:t> = 1");</a:t>
-            </a:r>
-          </a:p>
-          <a:p>
-            <a:r>
-              <a:rPr lang="en-US" dirty="0"/>
-              <a:t>  </a:t>
-            </a:r>
-            <a:r>
-              <a:rPr lang="en-US" dirty="0" err="1"/>
-              <a:t>pythia.readString</a:t>
-            </a:r>
-            <a:r>
-              <a:rPr lang="en-US" dirty="0"/>
-              <a:t>("</a:t>
-            </a:r>
-            <a:r>
-              <a:rPr lang="en-US" dirty="0" err="1"/>
-              <a:t>ColourReconnection:allowDoubleJunRem</a:t>
-            </a:r>
-            <a:r>
-              <a:rPr lang="en-US" dirty="0"/>
-              <a:t> =off");</a:t>
-            </a:r>
-          </a:p>
-          <a:p>
-            <a:r>
-              <a:rPr lang="en-US" dirty="0"/>
-              <a:t>  </a:t>
-            </a:r>
-            <a:r>
-              <a:rPr lang="en-US" dirty="0" err="1"/>
-              <a:t>pythia.readString</a:t>
-            </a:r>
-            <a:r>
-              <a:rPr lang="en-US" dirty="0"/>
-              <a:t>("ColourReconnection:m0=0.3");</a:t>
-            </a:r>
-          </a:p>
-          <a:p>
-            <a:r>
-              <a:rPr lang="en-US" dirty="0"/>
-              <a:t>  </a:t>
-            </a:r>
-            <a:r>
-              <a:rPr lang="en-US" dirty="0" err="1"/>
-              <a:t>pythia.readString</a:t>
-            </a:r>
-            <a:r>
-              <a:rPr lang="en-US" dirty="0"/>
-              <a:t>("</a:t>
-            </a:r>
-            <a:r>
-              <a:rPr lang="en-US" dirty="0" err="1"/>
-              <a:t>ColourReconnection:allowJunctions</a:t>
-            </a:r>
-            <a:r>
-              <a:rPr lang="en-US" dirty="0"/>
-              <a:t> =on");</a:t>
-            </a:r>
-          </a:p>
-          <a:p>
-            <a:r>
-              <a:rPr lang="en-US" dirty="0"/>
-              <a:t>  </a:t>
-            </a:r>
-            <a:r>
-              <a:rPr lang="en-US" dirty="0" err="1"/>
-              <a:t>pythia.readString</a:t>
-            </a:r>
-            <a:r>
-              <a:rPr lang="en-US" dirty="0"/>
-              <a:t>("</a:t>
-            </a:r>
-            <a:r>
-              <a:rPr lang="en-US" dirty="0" err="1"/>
-              <a:t>ColourReconnection:junctionCorrection</a:t>
-            </a:r>
-            <a:r>
-              <a:rPr lang="en-US" dirty="0"/>
-              <a:t>=1.2");</a:t>
-            </a:r>
-          </a:p>
-          <a:p>
-            <a:r>
-              <a:rPr lang="en-US" dirty="0"/>
-              <a:t>  </a:t>
-            </a:r>
-            <a:r>
-              <a:rPr lang="en-US" dirty="0" err="1"/>
-              <a:t>pythia.readString</a:t>
-            </a:r>
-            <a:r>
-              <a:rPr lang="en-US" dirty="0"/>
-              <a:t>("</a:t>
-            </a:r>
-            <a:r>
-              <a:rPr lang="en-US" dirty="0" err="1"/>
-              <a:t>ColourReconnection:timeDilationMode</a:t>
-            </a:r>
-            <a:r>
-              <a:rPr lang="en-US" dirty="0"/>
-              <a:t>=2");</a:t>
-            </a:r>
-          </a:p>
-          <a:p>
-            <a:r>
-              <a:rPr lang="en-US" dirty="0"/>
-              <a:t>  </a:t>
-            </a:r>
-            <a:r>
-              <a:rPr lang="en-US" dirty="0" err="1"/>
-              <a:t>pythia.readString</a:t>
-            </a:r>
-            <a:r>
-              <a:rPr lang="en-US" dirty="0"/>
-              <a:t>("</a:t>
-            </a:r>
-            <a:r>
-              <a:rPr lang="en-US" dirty="0" err="1"/>
-              <a:t>ColourReconnection:timeDilationPar</a:t>
-            </a:r>
-            <a:r>
-              <a:rPr lang="en-US" dirty="0"/>
-              <a:t>=0.18");</a:t>
-            </a:r>
-          </a:p>
-        </p:txBody>
-      </p:sp>
-      <p:sp>
-        <p:nvSpPr>
-          <p:cNvPr id="3" name="TextBox 2">
-            <a:extLst>
-              <a:ext uri="{FF2B5EF4-FFF2-40B4-BE49-F238E27FC236}">
-                <a16:creationId xmlns:a16="http://schemas.microsoft.com/office/drawing/2014/main" id="{7D046BBB-BE56-4A43-9509-6550E82FD0A6}"/>
+              <a:t>Black: FONLL</a:t>
+            </a:r>
+          </a:p>
+          <a:p>
+            <a:r>
+              <a:rPr lang="en-US" dirty="0"/>
+              <a:t>Blue:  PY(incl. b-hadron Rui)</a:t>
+            </a:r>
+          </a:p>
+          <a:p>
+            <a:r>
+              <a:rPr lang="en-US" dirty="0"/>
+              <a:t>Red: PY(incl. b-hadron new)</a:t>
+            </a:r>
+          </a:p>
+        </p:txBody>
+      </p:sp>
+      <p:sp>
+        <p:nvSpPr>
+          <p:cNvPr id="5" name="TextBox 4">
+            <a:extLst>
+              <a:ext uri="{FF2B5EF4-FFF2-40B4-BE49-F238E27FC236}">
+                <a16:creationId xmlns:a16="http://schemas.microsoft.com/office/drawing/2014/main" id="{A12F687C-A3A5-4AFF-BEDD-D79AB7056EC2}"/>
               </a:ext>
             </a:extLst>
           </p:cNvPr>
@@ -3816,8 +3429,8 @@
         </p:nvSpPr>
         <p:spPr>
           <a:xfrm>
-            <a:off x="6962502" y="431075"/>
-            <a:ext cx="5085806" cy="6524863"/>
+            <a:off x="1041662" y="3869649"/>
+            <a:ext cx="1528354" cy="369332"/>
           </a:xfrm>
           <a:prstGeom prst="rect">
             <a:avLst/>
@@ -3830,21 +3443,203 @@
           </a:bodyPr>
           <a:lstStyle/>
           <a:p>
+            <a:r>
+              <a:rPr lang="en-US" dirty="0"/>
+              <a:t>Unit: pb</a:t>
+            </a:r>
+          </a:p>
+        </p:txBody>
+      </p:sp>
+      <p:sp>
+        <p:nvSpPr>
+          <p:cNvPr id="10" name="TextBox 9">
+            <a:extLst>
+              <a:ext uri="{FF2B5EF4-FFF2-40B4-BE49-F238E27FC236}">
+                <a16:creationId xmlns:a16="http://schemas.microsoft.com/office/drawing/2014/main" id="{73C9BE82-32D0-4D8A-9705-C1CF299988AC}"/>
+              </a:ext>
+            </a:extLst>
+          </p:cNvPr>
+          <p:cNvSpPr txBox="1"/>
+          <p:nvPr/>
+        </p:nvSpPr>
+        <p:spPr>
+          <a:xfrm>
+            <a:off x="6967845" y="1635900"/>
+            <a:ext cx="3304903" cy="646331"/>
+          </a:xfrm>
+          <a:prstGeom prst="rect">
+            <a:avLst/>
+          </a:prstGeom>
+          <a:noFill/>
+        </p:spPr>
+        <p:txBody>
+          <a:bodyPr wrap="square" rtlCol="0">
+            <a:spAutoFit/>
+          </a:bodyPr>
+          <a:lstStyle/>
+          <a:p>
+            <a:r>
+              <a:rPr lang="en-US" dirty="0"/>
+              <a:t>Black: Rui’s result</a:t>
+            </a:r>
+          </a:p>
+          <a:p>
+            <a:r>
+              <a:rPr lang="en-US" dirty="0"/>
+              <a:t>Red: new result</a:t>
+            </a:r>
+          </a:p>
+        </p:txBody>
+      </p:sp>
+      <p:sp>
+        <p:nvSpPr>
+          <p:cNvPr id="11" name="TextBox 10">
+            <a:extLst>
+              <a:ext uri="{FF2B5EF4-FFF2-40B4-BE49-F238E27FC236}">
+                <a16:creationId xmlns:a16="http://schemas.microsoft.com/office/drawing/2014/main" id="{A41E0394-72A7-42D2-B368-6D99D118DC04}"/>
+              </a:ext>
+            </a:extLst>
+          </p:cNvPr>
+          <p:cNvSpPr txBox="1"/>
+          <p:nvPr/>
+        </p:nvSpPr>
+        <p:spPr>
+          <a:xfrm rot="16200000">
+            <a:off x="4561423" y="2547038"/>
+            <a:ext cx="3464611" cy="369332"/>
+          </a:xfrm>
+          <a:prstGeom prst="rect">
+            <a:avLst/>
+          </a:prstGeom>
+          <a:noFill/>
+        </p:spPr>
+        <p:txBody>
+          <a:bodyPr wrap="square" rtlCol="0">
+            <a:spAutoFit/>
+          </a:bodyPr>
+          <a:lstStyle/>
+          <a:p>
+            <a:r>
+              <a:rPr lang="en-US" dirty="0"/>
+              <a:t>FONLL/PYYHIA (incl. B-hadron)</a:t>
+            </a:r>
+          </a:p>
+        </p:txBody>
+      </p:sp>
+      <p:sp>
+        <p:nvSpPr>
+          <p:cNvPr id="12" name="TextBox 11">
+            <a:extLst>
+              <a:ext uri="{FF2B5EF4-FFF2-40B4-BE49-F238E27FC236}">
+                <a16:creationId xmlns:a16="http://schemas.microsoft.com/office/drawing/2014/main" id="{A9DBED69-6FAA-4E81-A121-DC94FEF60D48}"/>
+              </a:ext>
+            </a:extLst>
+          </p:cNvPr>
+          <p:cNvSpPr txBox="1"/>
+          <p:nvPr/>
+        </p:nvSpPr>
+        <p:spPr>
+          <a:xfrm>
+            <a:off x="8319850" y="4710135"/>
+            <a:ext cx="2534194" cy="369332"/>
+          </a:xfrm>
+          <a:prstGeom prst="rect">
+            <a:avLst/>
+          </a:prstGeom>
+          <a:noFill/>
+        </p:spPr>
+        <p:txBody>
+          <a:bodyPr wrap="square" rtlCol="0">
+            <a:spAutoFit/>
+          </a:bodyPr>
+          <a:lstStyle/>
+          <a:p>
+            <a:r>
+              <a:rPr lang="en-US" dirty="0" err="1"/>
+              <a:t>pT</a:t>
+            </a:r>
+            <a:r>
+              <a:rPr lang="en-US" dirty="0"/>
+              <a:t>(GeV/c)</a:t>
+            </a:r>
+          </a:p>
+        </p:txBody>
+      </p:sp>
+      <p:sp>
+        <p:nvSpPr>
+          <p:cNvPr id="14" name="TextBox 13">
+            <a:extLst>
+              <a:ext uri="{FF2B5EF4-FFF2-40B4-BE49-F238E27FC236}">
+                <a16:creationId xmlns:a16="http://schemas.microsoft.com/office/drawing/2014/main" id="{519F2662-9A44-48D1-B424-216242E09B19}"/>
+              </a:ext>
+            </a:extLst>
+          </p:cNvPr>
+          <p:cNvSpPr txBox="1"/>
+          <p:nvPr/>
+        </p:nvSpPr>
+        <p:spPr>
+          <a:xfrm>
+            <a:off x="-195942" y="195943"/>
+            <a:ext cx="12227822" cy="553998"/>
+          </a:xfrm>
+          <a:prstGeom prst="rect">
+            <a:avLst/>
+          </a:prstGeom>
+          <a:noFill/>
+        </p:spPr>
+        <p:txBody>
+          <a:bodyPr wrap="square" rtlCol="0">
+            <a:spAutoFit/>
+          </a:bodyPr>
+          <a:lstStyle/>
+          <a:p>
+            <a:pPr algn="ctr"/>
+            <a:r>
+              <a:rPr lang="en-US" sz="3000" b="1" dirty="0">
+                <a:solidFill>
+                  <a:srgbClr val="FF0000"/>
+                </a:solidFill>
+              </a:rPr>
+              <a:t>Inclusive B-hadron and Weight comparison with Rui’s results</a:t>
+            </a:r>
+          </a:p>
+        </p:txBody>
+      </p:sp>
+      <p:sp>
+        <p:nvSpPr>
+          <p:cNvPr id="8" name="TextBox 7">
+            <a:extLst>
+              <a:ext uri="{FF2B5EF4-FFF2-40B4-BE49-F238E27FC236}">
+                <a16:creationId xmlns:a16="http://schemas.microsoft.com/office/drawing/2014/main" id="{044239DA-1FAA-416A-B29C-8D8556A56CB1}"/>
+              </a:ext>
+            </a:extLst>
+          </p:cNvPr>
+          <p:cNvSpPr txBox="1"/>
+          <p:nvPr/>
+        </p:nvSpPr>
+        <p:spPr>
+          <a:xfrm>
+            <a:off x="6293728" y="5079467"/>
+            <a:ext cx="5738152" cy="2015936"/>
+          </a:xfrm>
+          <a:prstGeom prst="rect">
+            <a:avLst/>
+          </a:prstGeom>
+          <a:noFill/>
+        </p:spPr>
+        <p:txBody>
+          <a:bodyPr wrap="square" rtlCol="0">
+            <a:spAutoFit/>
+          </a:bodyPr>
+          <a:lstStyle/>
+          <a:p>
             <a:pPr marL="285750" indent="-285750">
               <a:buFont typeface="Arial" panose="020B0604020202020204" pitchFamily="34" charset="0"/>
               <a:buChar char="•"/>
             </a:pPr>
             <a:r>
               <a:rPr lang="en-US" sz="2500" dirty="0"/>
-              <a:t>Rui’s </a:t>
-            </a:r>
-            <a:r>
-              <a:rPr lang="en-US" sz="2500" dirty="0" err="1"/>
-              <a:t>pythia</a:t>
-            </a:r>
-            <a:r>
-              <a:rPr lang="en-US" sz="2500" dirty="0"/>
-              <a:t> root file is no available anymore; </a:t>
+              <a:t>reproduce Rui’s weight result </a:t>
             </a:r>
           </a:p>
           <a:p>
@@ -3854,138 +3649,139 @@
             </a:pPr>
             <a:r>
               <a:rPr lang="en-US" sz="2500" dirty="0"/>
-              <a:t>We need to redo the </a:t>
-            </a:r>
-            <a:r>
-              <a:rPr lang="en-US" sz="2500" dirty="0" err="1"/>
-              <a:t>pythia</a:t>
-            </a:r>
-            <a:r>
-              <a:rPr lang="en-US" sz="2500" dirty="0"/>
-              <a:t> simulation to estimate the prompt ratio. </a:t>
-            </a:r>
-          </a:p>
-          <a:p>
-            <a:endParaRPr lang="en-US" sz="2500" dirty="0"/>
-          </a:p>
-          <a:p>
-            <a:pPr marL="285750" indent="-285750">
+              <a:t>Mistake in last presentation: </a:t>
+            </a:r>
+          </a:p>
+          <a:p>
+            <a:pPr marL="742950" lvl="1" indent="-285750">
               <a:buFont typeface="Arial" panose="020B0604020202020204" pitchFamily="34" charset="0"/>
               <a:buChar char="•"/>
             </a:pPr>
             <a:r>
+              <a:rPr lang="en-US" sz="2500" dirty="0">
+                <a:solidFill>
+                  <a:srgbClr val="0000FF"/>
+                </a:solidFill>
+              </a:rPr>
+              <a:t>Did not remove B-hadrons decaying into B-hadrons.</a:t>
+            </a:r>
+            <a:r>
               <a:rPr lang="en-US" sz="2500" dirty="0"/>
-              <a:t>all codes are at: </a:t>
-            </a:r>
-          </a:p>
-          <a:p>
-            <a:pPr marL="285750" indent="-285750">
-              <a:buFont typeface="Arial" panose="020B0604020202020204" pitchFamily="34" charset="0"/>
-              <a:buChar char="•"/>
-            </a:pPr>
-            <a:r>
-              <a:rPr lang="en-US" sz="2500" dirty="0">
-                <a:hlinkClick r:id="rId2"/>
-              </a:rPr>
-              <a:t>https://github.com/wxie2013/LambdaC-PYTHIA8-simulation.git</a:t>
-            </a:r>
-            <a:endParaRPr lang="en-US" sz="2500" dirty="0"/>
-          </a:p>
-          <a:p>
-            <a:pPr marL="285750" indent="-285750">
+              <a:t> </a:t>
+            </a:r>
+          </a:p>
+          <a:p>
+            <a:pPr marL="742950" lvl="1" indent="-285750">
               <a:buFont typeface="Arial" panose="020B0604020202020204" pitchFamily="34" charset="0"/>
               <a:buChar char="•"/>
             </a:pPr>
             <a:endParaRPr lang="en-US" sz="2500" dirty="0"/>
           </a:p>
-          <a:p>
-            <a:pPr marL="285750" indent="-285750">
+        </p:txBody>
+      </p:sp>
+      <p:sp>
+        <p:nvSpPr>
+          <p:cNvPr id="13" name="TextBox 12">
+            <a:extLst>
+              <a:ext uri="{FF2B5EF4-FFF2-40B4-BE49-F238E27FC236}">
+                <a16:creationId xmlns:a16="http://schemas.microsoft.com/office/drawing/2014/main" id="{11727670-5BD2-4F82-9242-2BE1ACB19D2D}"/>
+              </a:ext>
+            </a:extLst>
+          </p:cNvPr>
+          <p:cNvSpPr txBox="1"/>
+          <p:nvPr/>
+        </p:nvSpPr>
+        <p:spPr>
+          <a:xfrm>
+            <a:off x="377287" y="4954060"/>
+            <a:ext cx="4385457" cy="1631216"/>
+          </a:xfrm>
+          <a:prstGeom prst="rect">
+            <a:avLst/>
+          </a:prstGeom>
+          <a:noFill/>
+        </p:spPr>
+        <p:txBody>
+          <a:bodyPr wrap="square" rtlCol="0">
+            <a:spAutoFit/>
+          </a:bodyPr>
+          <a:lstStyle/>
+          <a:p>
+            <a:pPr marL="342900" indent="-342900">
               <a:buFont typeface="Arial" panose="020B0604020202020204" pitchFamily="34" charset="0"/>
               <a:buChar char="•"/>
             </a:pPr>
             <a:r>
               <a:rPr lang="en-US" sz="2500" dirty="0"/>
-              <a:t>PYTHIA8302. </a:t>
-            </a:r>
-          </a:p>
-          <a:p>
-            <a:pPr marL="742950" lvl="1" indent="-285750">
+              <a:t>pythia8302: </a:t>
+            </a:r>
+          </a:p>
+          <a:p>
+            <a:pPr marL="800100" lvl="1" indent="-342900">
               <a:buFont typeface="Arial" panose="020B0604020202020204" pitchFamily="34" charset="0"/>
               <a:buChar char="•"/>
             </a:pPr>
             <a:r>
               <a:rPr lang="en-US" sz="2500" dirty="0"/>
-              <a:t>Color reconnection mode 2</a:t>
-            </a:r>
-          </a:p>
-          <a:p>
-            <a:pPr marL="742950" lvl="1" indent="-285750">
+              <a:t>Pythia8 tune: </a:t>
+            </a:r>
+            <a:r>
+              <a:rPr lang="en-US" sz="2500" dirty="0">
+                <a:solidFill>
+                  <a:srgbClr val="0000FF"/>
+                </a:solidFill>
+              </a:rPr>
+              <a:t>CUETP8M1</a:t>
+            </a:r>
+          </a:p>
+          <a:p>
+            <a:pPr marL="800100" lvl="1" indent="-342900">
               <a:buFont typeface="Arial" panose="020B0604020202020204" pitchFamily="34" charset="0"/>
               <a:buChar char="•"/>
             </a:pPr>
             <a:r>
-              <a:rPr lang="en-US" sz="2500" dirty="0"/>
-              <a:t>1b events generated</a:t>
-            </a:r>
-          </a:p>
-          <a:p>
-            <a:pPr marL="1200150" lvl="2" indent="-285750">
+              <a:rPr lang="en-US" sz="2500" dirty="0" err="1">
+                <a:solidFill>
+                  <a:srgbClr val="0000FF"/>
+                </a:solidFill>
+              </a:rPr>
+              <a:t>HardQCD_ON</a:t>
+            </a:r>
+            <a:endParaRPr lang="en-US" sz="2500" dirty="0">
+              <a:solidFill>
+                <a:srgbClr val="0000FF"/>
+              </a:solidFill>
+            </a:endParaRPr>
+          </a:p>
+          <a:p>
+            <a:pPr marL="800100" lvl="1" indent="-342900">
               <a:buFont typeface="Arial" panose="020B0604020202020204" pitchFamily="34" charset="0"/>
               <a:buChar char="•"/>
             </a:pPr>
             <a:r>
               <a:rPr lang="en-US" sz="2500" dirty="0"/>
-              <a:t>Inclusive Lc</a:t>
-            </a:r>
-          </a:p>
-          <a:p>
-            <a:pPr marL="1200150" lvl="2" indent="-285750">
-              <a:buFont typeface="Arial" panose="020B0604020202020204" pitchFamily="34" charset="0"/>
-              <a:buChar char="•"/>
-            </a:pPr>
-            <a:r>
-              <a:rPr lang="en-US" sz="2500" dirty="0" err="1"/>
-              <a:t>B</a:t>
+              <a:t>decay with </a:t>
             </a:r>
             <a:r>
               <a:rPr lang="en-US" sz="2500" dirty="0" err="1">
-                <a:sym typeface="Wingdings" panose="05000000000000000000" pitchFamily="2" charset="2"/>
+                <a:solidFill>
+                  <a:srgbClr val="0000FF"/>
+                </a:solidFill>
               </a:rPr>
-              <a:t>Lc</a:t>
-            </a:r>
-            <a:r>
-              <a:rPr lang="en-US" sz="2500" dirty="0">
-                <a:sym typeface="Wingdings" panose="05000000000000000000" pitchFamily="2" charset="2"/>
-              </a:rPr>
-              <a:t> </a:t>
-            </a:r>
-          </a:p>
-          <a:p>
-            <a:pPr marL="1200150" lvl="2" indent="-285750">
-              <a:buFont typeface="Arial" panose="020B0604020202020204" pitchFamily="34" charset="0"/>
-              <a:buChar char="•"/>
-            </a:pPr>
-            <a:r>
-              <a:rPr lang="en-US" sz="2500" dirty="0">
-                <a:sym typeface="Wingdings" panose="05000000000000000000" pitchFamily="2" charset="2"/>
-              </a:rPr>
-              <a:t>Inclusive B-hadrons</a:t>
-            </a:r>
-            <a:endParaRPr lang="en-US" sz="2500" dirty="0"/>
-          </a:p>
-          <a:p>
-            <a:pPr marL="285750" indent="-285750">
-              <a:buFont typeface="Arial" panose="020B0604020202020204" pitchFamily="34" charset="0"/>
-              <a:buChar char="•"/>
-            </a:pPr>
-            <a:endParaRPr lang="en-US" dirty="0"/>
+              <a:t>EvtGen</a:t>
+            </a:r>
+            <a:endParaRPr lang="en-US" sz="2500" dirty="0">
+              <a:solidFill>
+                <a:srgbClr val="0000FF"/>
+              </a:solidFill>
+            </a:endParaRPr>
           </a:p>
         </p:txBody>
       </p:sp>
     </p:spTree>
     <p:extLst>
       <p:ext uri="{BB962C8B-B14F-4D97-AF65-F5344CB8AC3E}">
-        <p14:creationId xmlns:p14="http://schemas.microsoft.com/office/powerpoint/2010/main" val="232195087"/>
+        <p14:creationId xmlns:p14="http://schemas.microsoft.com/office/powerpoint/2010/main" val="1880244705"/>
       </p:ext>
     </p:extLst>
   </p:cSld>
@@ -4012,316 +3808,84 @@
           <a:chExt cx="0" cy="0"/>
         </a:xfrm>
       </p:grpSpPr>
-      <p:grpSp>
-        <p:nvGrpSpPr>
-          <p:cNvPr id="13" name="Group 12">
-            <a:extLst>
-              <a:ext uri="{FF2B5EF4-FFF2-40B4-BE49-F238E27FC236}">
-                <a16:creationId xmlns:a16="http://schemas.microsoft.com/office/drawing/2014/main" id="{440CC987-324D-4D02-A6F2-91877554099B}"/>
-              </a:ext>
-            </a:extLst>
-          </p:cNvPr>
-          <p:cNvGrpSpPr/>
+      <p:pic>
+        <p:nvPicPr>
+          <p:cNvPr id="7" name="Picture 6" descr="Chart&#10;&#10;Description automatically generated">
+            <a:extLst>
+              <a:ext uri="{FF2B5EF4-FFF2-40B4-BE49-F238E27FC236}">
+                <a16:creationId xmlns:a16="http://schemas.microsoft.com/office/drawing/2014/main" id="{1D5776FB-63B0-4632-BF9E-0956CB8684E8}"/>
+              </a:ext>
+            </a:extLst>
+          </p:cNvPr>
+          <p:cNvPicPr>
+            <a:picLocks noChangeAspect="1"/>
+          </p:cNvPicPr>
           <p:nvPr/>
-        </p:nvGrpSpPr>
-        <p:grpSpPr>
+        </p:nvPicPr>
+        <p:blipFill>
+          <a:blip r:embed="rId2">
+            <a:extLst>
+              <a:ext uri="{28A0092B-C50C-407E-A947-70E740481C1C}">
+                <a14:useLocalDpi xmlns:a14="http://schemas.microsoft.com/office/drawing/2010/main" val="0"/>
+              </a:ext>
+            </a:extLst>
+          </a:blip>
+          <a:stretch>
+            <a:fillRect/>
+          </a:stretch>
+        </p:blipFill>
+        <p:spPr>
           <a:xfrm>
-            <a:off x="160120" y="865726"/>
-            <a:ext cx="12192000" cy="5632044"/>
-            <a:chOff x="199309" y="330149"/>
-            <a:chExt cx="12192000" cy="5632044"/>
+            <a:off x="-39448" y="895593"/>
+            <a:ext cx="6648450" cy="4514850"/>
           </a:xfrm>
-        </p:grpSpPr>
-        <p:pic>
-          <p:nvPicPr>
-            <p:cNvPr id="9" name="Picture 8" descr="Chart, histogram&#10;&#10;Description automatically generated">
-              <a:extLst>
-                <a:ext uri="{FF2B5EF4-FFF2-40B4-BE49-F238E27FC236}">
-                  <a16:creationId xmlns:a16="http://schemas.microsoft.com/office/drawing/2014/main" id="{288F1942-0123-4B8A-B953-CE01AC4595B5}"/>
-                </a:ext>
-              </a:extLst>
-            </p:cNvPr>
-            <p:cNvPicPr>
-              <a:picLocks noChangeAspect="1"/>
-            </p:cNvPicPr>
-            <p:nvPr/>
-          </p:nvPicPr>
-          <p:blipFill>
-            <a:blip r:embed="rId2">
-              <a:extLst>
-                <a:ext uri="{28A0092B-C50C-407E-A947-70E740481C1C}">
-                  <a14:useLocalDpi xmlns:a14="http://schemas.microsoft.com/office/drawing/2010/main" val="0"/>
-                </a:ext>
-              </a:extLst>
-            </a:blip>
-            <a:stretch>
-              <a:fillRect/>
-            </a:stretch>
-          </p:blipFill>
-          <p:spPr>
-            <a:xfrm>
-              <a:off x="199309" y="330150"/>
-              <a:ext cx="12192000" cy="4133768"/>
-            </a:xfrm>
-            <a:prstGeom prst="rect">
-              <a:avLst/>
-            </a:prstGeom>
-          </p:spPr>
-        </p:pic>
-        <p:sp>
-          <p:nvSpPr>
-            <p:cNvPr id="4" name="TextBox 3">
-              <a:extLst>
-                <a:ext uri="{FF2B5EF4-FFF2-40B4-BE49-F238E27FC236}">
-                  <a16:creationId xmlns:a16="http://schemas.microsoft.com/office/drawing/2014/main" id="{45BDC2CE-8351-4B41-A30F-4AF088CC5DB2}"/>
-                </a:ext>
-              </a:extLst>
-            </p:cNvPr>
-            <p:cNvSpPr txBox="1"/>
-            <p:nvPr/>
-          </p:nvSpPr>
-          <p:spPr>
-            <a:xfrm>
-              <a:off x="2638697" y="966651"/>
-              <a:ext cx="3304903" cy="923330"/>
-            </a:xfrm>
-            <a:prstGeom prst="rect">
-              <a:avLst/>
-            </a:prstGeom>
-            <a:noFill/>
-          </p:spPr>
-          <p:txBody>
-            <a:bodyPr wrap="square" rtlCol="0">
-              <a:spAutoFit/>
-            </a:bodyPr>
-            <a:lstStyle/>
-            <a:p>
-              <a:r>
-                <a:rPr lang="en-US" dirty="0"/>
-                <a:t>Black: FONLL</a:t>
-              </a:r>
-            </a:p>
-            <a:p>
-              <a:r>
-                <a:rPr lang="en-US" dirty="0"/>
-                <a:t>Blue:  PY(incl. b-hadron Rui)</a:t>
-              </a:r>
-            </a:p>
-            <a:p>
-              <a:r>
-                <a:rPr lang="en-US" dirty="0"/>
-                <a:t>Red: PY(incl. b-hadron new)</a:t>
-              </a:r>
-            </a:p>
-          </p:txBody>
-        </p:sp>
-        <p:sp>
-          <p:nvSpPr>
-            <p:cNvPr id="5" name="TextBox 4">
-              <a:extLst>
-                <a:ext uri="{FF2B5EF4-FFF2-40B4-BE49-F238E27FC236}">
-                  <a16:creationId xmlns:a16="http://schemas.microsoft.com/office/drawing/2014/main" id="{A12F687C-A3A5-4AFF-BEDD-D79AB7056EC2}"/>
-                </a:ext>
-              </a:extLst>
-            </p:cNvPr>
-            <p:cNvSpPr txBox="1"/>
-            <p:nvPr/>
-          </p:nvSpPr>
-          <p:spPr>
-            <a:xfrm>
-              <a:off x="1227909" y="3200400"/>
-              <a:ext cx="1528354" cy="369332"/>
-            </a:xfrm>
-            <a:prstGeom prst="rect">
-              <a:avLst/>
-            </a:prstGeom>
-            <a:noFill/>
-          </p:spPr>
-          <p:txBody>
-            <a:bodyPr wrap="square" rtlCol="0">
-              <a:spAutoFit/>
-            </a:bodyPr>
-            <a:lstStyle/>
-            <a:p>
-              <a:r>
-                <a:rPr lang="en-US" dirty="0"/>
-                <a:t>Unit: pb</a:t>
-              </a:r>
-            </a:p>
-          </p:txBody>
-        </p:sp>
-        <p:sp>
-          <p:nvSpPr>
-            <p:cNvPr id="7" name="TextBox 6">
-              <a:extLst>
-                <a:ext uri="{FF2B5EF4-FFF2-40B4-BE49-F238E27FC236}">
-                  <a16:creationId xmlns:a16="http://schemas.microsoft.com/office/drawing/2014/main" id="{7BC08EE7-A96C-4B90-BFC9-0D14E3F454B5}"/>
-                </a:ext>
-              </a:extLst>
-            </p:cNvPr>
-            <p:cNvSpPr txBox="1"/>
-            <p:nvPr/>
-          </p:nvSpPr>
-          <p:spPr>
-            <a:xfrm>
-              <a:off x="1018407" y="5100419"/>
-              <a:ext cx="9850385" cy="861774"/>
-            </a:xfrm>
-            <a:prstGeom prst="rect">
-              <a:avLst/>
-            </a:prstGeom>
-            <a:noFill/>
-          </p:spPr>
-          <p:txBody>
-            <a:bodyPr wrap="square" rtlCol="0">
-              <a:spAutoFit/>
-            </a:bodyPr>
-            <a:lstStyle/>
-            <a:p>
-              <a:r>
-                <a:rPr lang="en-US" sz="2500" dirty="0"/>
-                <a:t>The new PYTHIA B-hadron cross section is a bit higher than Rui’s result. </a:t>
-              </a:r>
-            </a:p>
-            <a:p>
-              <a:pPr marL="742950" lvl="1" indent="-285750">
-                <a:buFont typeface="Arial" panose="020B0604020202020204" pitchFamily="34" charset="0"/>
-                <a:buChar char="•"/>
-              </a:pPr>
-              <a:r>
-                <a:rPr lang="en-US" sz="2500" dirty="0"/>
-                <a:t>Tunning or different version of </a:t>
-              </a:r>
-              <a:r>
-                <a:rPr lang="en-US" sz="2500" dirty="0" err="1"/>
-                <a:t>pythia</a:t>
-              </a:r>
-              <a:endParaRPr lang="en-US" sz="2500" dirty="0"/>
-            </a:p>
-          </p:txBody>
-        </p:sp>
-        <p:sp>
-          <p:nvSpPr>
-            <p:cNvPr id="10" name="TextBox 9">
-              <a:extLst>
-                <a:ext uri="{FF2B5EF4-FFF2-40B4-BE49-F238E27FC236}">
-                  <a16:creationId xmlns:a16="http://schemas.microsoft.com/office/drawing/2014/main" id="{73C9BE82-32D0-4D8A-9705-C1CF299988AC}"/>
-                </a:ext>
-              </a:extLst>
-            </p:cNvPr>
-            <p:cNvSpPr txBox="1"/>
-            <p:nvPr/>
-          </p:nvSpPr>
-          <p:spPr>
-            <a:xfrm>
-              <a:off x="7154092" y="966651"/>
-              <a:ext cx="3304903" cy="646331"/>
-            </a:xfrm>
-            <a:prstGeom prst="rect">
-              <a:avLst/>
-            </a:prstGeom>
-            <a:noFill/>
-          </p:spPr>
-          <p:txBody>
-            <a:bodyPr wrap="square" rtlCol="0">
-              <a:spAutoFit/>
-            </a:bodyPr>
-            <a:lstStyle/>
-            <a:p>
-              <a:r>
-                <a:rPr lang="en-US" dirty="0"/>
-                <a:t>Black: Rui’s result</a:t>
-              </a:r>
-            </a:p>
-            <a:p>
-              <a:r>
-                <a:rPr lang="en-US" dirty="0"/>
-                <a:t>Red: new result</a:t>
-              </a:r>
-            </a:p>
-          </p:txBody>
-        </p:sp>
-        <p:sp>
-          <p:nvSpPr>
-            <p:cNvPr id="11" name="TextBox 10">
-              <a:extLst>
-                <a:ext uri="{FF2B5EF4-FFF2-40B4-BE49-F238E27FC236}">
-                  <a16:creationId xmlns:a16="http://schemas.microsoft.com/office/drawing/2014/main" id="{A41E0394-72A7-42D2-B368-6D99D118DC04}"/>
-                </a:ext>
-              </a:extLst>
-            </p:cNvPr>
-            <p:cNvSpPr txBox="1"/>
-            <p:nvPr/>
-          </p:nvSpPr>
-          <p:spPr>
-            <a:xfrm rot="16200000">
-              <a:off x="4747670" y="1877789"/>
-              <a:ext cx="3464611" cy="369332"/>
-            </a:xfrm>
-            <a:prstGeom prst="rect">
-              <a:avLst/>
-            </a:prstGeom>
-            <a:noFill/>
-          </p:spPr>
-          <p:txBody>
-            <a:bodyPr wrap="square" rtlCol="0">
-              <a:spAutoFit/>
-            </a:bodyPr>
-            <a:lstStyle/>
-            <a:p>
-              <a:r>
-                <a:rPr lang="en-US" dirty="0"/>
-                <a:t>FONLL/PYYHIA (incl. B-hadron)</a:t>
-              </a:r>
-            </a:p>
-          </p:txBody>
-        </p:sp>
-        <p:sp>
-          <p:nvSpPr>
-            <p:cNvPr id="12" name="TextBox 11">
-              <a:extLst>
-                <a:ext uri="{FF2B5EF4-FFF2-40B4-BE49-F238E27FC236}">
-                  <a16:creationId xmlns:a16="http://schemas.microsoft.com/office/drawing/2014/main" id="{A9DBED69-6FAA-4E81-A121-DC94FEF60D48}"/>
-                </a:ext>
-              </a:extLst>
-            </p:cNvPr>
-            <p:cNvSpPr txBox="1"/>
-            <p:nvPr/>
-          </p:nvSpPr>
-          <p:spPr>
-            <a:xfrm>
-              <a:off x="8621486" y="4258491"/>
-              <a:ext cx="2534194" cy="369332"/>
-            </a:xfrm>
-            <a:prstGeom prst="rect">
-              <a:avLst/>
-            </a:prstGeom>
-            <a:noFill/>
-          </p:spPr>
-          <p:txBody>
-            <a:bodyPr wrap="square" rtlCol="0">
-              <a:spAutoFit/>
-            </a:bodyPr>
-            <a:lstStyle/>
-            <a:p>
-              <a:r>
-                <a:rPr lang="en-US" dirty="0" err="1"/>
-                <a:t>pT</a:t>
-              </a:r>
-              <a:r>
-                <a:rPr lang="en-US" dirty="0"/>
-                <a:t>(GeV/c)</a:t>
-              </a:r>
-            </a:p>
-          </p:txBody>
-        </p:sp>
-      </p:grpSp>
-      <p:sp>
-        <p:nvSpPr>
-          <p:cNvPr id="14" name="TextBox 13">
-            <a:extLst>
-              <a:ext uri="{FF2B5EF4-FFF2-40B4-BE49-F238E27FC236}">
-                <a16:creationId xmlns:a16="http://schemas.microsoft.com/office/drawing/2014/main" id="{519F2662-9A44-48D1-B424-216242E09B19}"/>
+          <a:prstGeom prst="rect">
+            <a:avLst/>
+          </a:prstGeom>
+        </p:spPr>
+      </p:pic>
+      <p:pic>
+        <p:nvPicPr>
+          <p:cNvPr id="16" name="Picture 15" descr="Chart&#10;&#10;Description automatically generated">
+            <a:extLst>
+              <a:ext uri="{FF2B5EF4-FFF2-40B4-BE49-F238E27FC236}">
+                <a16:creationId xmlns:a16="http://schemas.microsoft.com/office/drawing/2014/main" id="{30E36EE4-2C81-4FE6-A498-06FD64547508}"/>
+              </a:ext>
+            </a:extLst>
+          </p:cNvPr>
+          <p:cNvPicPr>
+            <a:picLocks noChangeAspect="1"/>
+          </p:cNvPicPr>
+          <p:nvPr/>
+        </p:nvPicPr>
+        <p:blipFill>
+          <a:blip r:embed="rId3">
+            <a:extLst>
+              <a:ext uri="{28A0092B-C50C-407E-A947-70E740481C1C}">
+                <a14:useLocalDpi xmlns:a14="http://schemas.microsoft.com/office/drawing/2010/main" val="0"/>
+              </a:ext>
+            </a:extLst>
+          </a:blip>
+          <a:stretch>
+            <a:fillRect/>
+          </a:stretch>
+        </p:blipFill>
+        <p:spPr>
+          <a:xfrm>
+            <a:off x="6003159" y="961216"/>
+            <a:ext cx="6290853" cy="4272012"/>
+          </a:xfrm>
+          <a:prstGeom prst="rect">
+            <a:avLst/>
+          </a:prstGeom>
+        </p:spPr>
+      </p:pic>
+      <p:sp>
+        <p:nvSpPr>
+          <p:cNvPr id="2" name="TextBox 1">
+            <a:extLst>
+              <a:ext uri="{FF2B5EF4-FFF2-40B4-BE49-F238E27FC236}">
+                <a16:creationId xmlns:a16="http://schemas.microsoft.com/office/drawing/2014/main" id="{0EACADBA-351C-4EA7-B780-B89FE57E5507}"/>
               </a:ext>
             </a:extLst>
           </p:cNvPr>
@@ -4330,8 +3894,8 @@
         </p:nvSpPr>
         <p:spPr>
           <a:xfrm>
-            <a:off x="1345474" y="195943"/>
-            <a:ext cx="9888583" cy="553998"/>
+            <a:off x="-195942" y="195943"/>
+            <a:ext cx="12227822" cy="553998"/>
           </a:xfrm>
           <a:prstGeom prst="rect">
             <a:avLst/>
@@ -4346,12 +3910,558 @@
           <a:p>
             <a:pPr algn="ctr"/>
             <a:r>
-              <a:rPr lang="en-US" sz="3000" dirty="0">
+              <a:rPr lang="en-US" sz="3000" b="1" dirty="0" err="1">
                 <a:solidFill>
                   <a:srgbClr val="FF0000"/>
                 </a:solidFill>
               </a:rPr>
-              <a:t>Inclusive B-hadron and Weight comparison with Rui’s results</a:t>
+              <a:t>Hard_QCD_ON</a:t>
+            </a:r>
+            <a:r>
+              <a:rPr lang="en-US" sz="3000" b="1" dirty="0">
+                <a:solidFill>
+                  <a:srgbClr val="FF0000"/>
+                </a:solidFill>
+              </a:rPr>
+              <a:t> ----- </a:t>
+            </a:r>
+            <a:r>
+              <a:rPr lang="en-US" sz="3000" b="1" dirty="0" err="1">
+                <a:solidFill>
+                  <a:srgbClr val="FF0000"/>
+                </a:solidFill>
+              </a:rPr>
+              <a:t>soft_nondiff_ON</a:t>
+            </a:r>
+            <a:r>
+              <a:rPr lang="en-US" sz="3000" b="1" dirty="0">
+                <a:solidFill>
+                  <a:srgbClr val="FF0000"/>
+                </a:solidFill>
+              </a:rPr>
+              <a:t> ----- PYTHIA tunes </a:t>
+            </a:r>
+          </a:p>
+        </p:txBody>
+      </p:sp>
+      <p:sp>
+        <p:nvSpPr>
+          <p:cNvPr id="5" name="TextBox 4">
+            <a:extLst>
+              <a:ext uri="{FF2B5EF4-FFF2-40B4-BE49-F238E27FC236}">
+                <a16:creationId xmlns:a16="http://schemas.microsoft.com/office/drawing/2014/main" id="{8B85AF1E-B1F0-4F0D-BE2B-F9222A26DC02}"/>
+              </a:ext>
+            </a:extLst>
+          </p:cNvPr>
+          <p:cNvSpPr txBox="1"/>
+          <p:nvPr/>
+        </p:nvSpPr>
+        <p:spPr>
+          <a:xfrm>
+            <a:off x="400050" y="5380672"/>
+            <a:ext cx="6310993" cy="1477328"/>
+          </a:xfrm>
+          <a:prstGeom prst="rect">
+            <a:avLst/>
+          </a:prstGeom>
+          <a:noFill/>
+        </p:spPr>
+        <p:txBody>
+          <a:bodyPr wrap="square" rtlCol="0">
+            <a:spAutoFit/>
+          </a:bodyPr>
+          <a:lstStyle/>
+          <a:p>
+            <a:pPr marL="285750" indent="-285750">
+              <a:buFont typeface="Arial" panose="020B0604020202020204" pitchFamily="34" charset="0"/>
+              <a:buChar char="•"/>
+            </a:pPr>
+            <a:r>
+              <a:rPr lang="en-US" dirty="0" err="1"/>
+              <a:t>pT</a:t>
+            </a:r>
+            <a:r>
+              <a:rPr lang="en-US" dirty="0"/>
+              <a:t>&gt;15 GeV/c, no difference between</a:t>
+            </a:r>
+          </a:p>
+          <a:p>
+            <a:pPr marL="742950" lvl="1" indent="-285750">
+              <a:buFont typeface="Arial" panose="020B0604020202020204" pitchFamily="34" charset="0"/>
+              <a:buChar char="•"/>
+            </a:pPr>
+            <a:r>
+              <a:rPr lang="en-US" dirty="0" err="1">
+                <a:solidFill>
+                  <a:srgbClr val="0000FF"/>
+                </a:solidFill>
+              </a:rPr>
+              <a:t>SoftQCD_nonDiffractive_ON</a:t>
+            </a:r>
+            <a:r>
+              <a:rPr lang="en-US" dirty="0">
+                <a:solidFill>
+                  <a:srgbClr val="0000FF"/>
+                </a:solidFill>
+              </a:rPr>
+              <a:t> </a:t>
+            </a:r>
+            <a:r>
+              <a:rPr lang="en-US" dirty="0"/>
+              <a:t>and </a:t>
+            </a:r>
+          </a:p>
+          <a:p>
+            <a:pPr marL="742950" lvl="1" indent="-285750">
+              <a:buFont typeface="Arial" panose="020B0604020202020204" pitchFamily="34" charset="0"/>
+              <a:buChar char="•"/>
+            </a:pPr>
+            <a:r>
+              <a:rPr lang="en-US" dirty="0" err="1">
+                <a:solidFill>
+                  <a:srgbClr val="0000FF"/>
+                </a:solidFill>
+              </a:rPr>
+              <a:t>HardQCD_ON</a:t>
+            </a:r>
+            <a:endParaRPr lang="en-US" dirty="0">
+              <a:solidFill>
+                <a:srgbClr val="0000FF"/>
+              </a:solidFill>
+            </a:endParaRPr>
+          </a:p>
+          <a:p>
+            <a:pPr marL="285750" indent="-285750">
+              <a:buFont typeface="Arial" panose="020B0604020202020204" pitchFamily="34" charset="0"/>
+              <a:buChar char="•"/>
+            </a:pPr>
+            <a:r>
+              <a:rPr lang="en-US" dirty="0" err="1"/>
+              <a:t>pT</a:t>
+            </a:r>
+            <a:r>
+              <a:rPr lang="en-US" dirty="0"/>
+              <a:t>&lt;15 GeV/c need to use </a:t>
+            </a:r>
+            <a:r>
+              <a:rPr lang="en-US" dirty="0" err="1">
+                <a:solidFill>
+                  <a:srgbClr val="0000FF"/>
+                </a:solidFill>
+              </a:rPr>
+              <a:t>SoftQCD_nonDiffractive_ON</a:t>
+            </a:r>
+            <a:endParaRPr lang="en-US" dirty="0">
+              <a:solidFill>
+                <a:srgbClr val="0000FF"/>
+              </a:solidFill>
+            </a:endParaRPr>
+          </a:p>
+          <a:p>
+            <a:pPr marL="742950" lvl="1" indent="-285750">
+              <a:buFont typeface="Arial" panose="020B0604020202020204" pitchFamily="34" charset="0"/>
+              <a:buChar char="•"/>
+            </a:pPr>
+            <a:r>
+              <a:rPr lang="en-US" dirty="0"/>
+              <a:t>Communication with </a:t>
+            </a:r>
+            <a:r>
+              <a:rPr lang="en-US" dirty="0" err="1"/>
+              <a:t>pythia</a:t>
+            </a:r>
+            <a:r>
+              <a:rPr lang="en-US" dirty="0"/>
+              <a:t> author </a:t>
+            </a:r>
+          </a:p>
+        </p:txBody>
+      </p:sp>
+      <p:sp>
+        <p:nvSpPr>
+          <p:cNvPr id="6" name="TextBox 5">
+            <a:extLst>
+              <a:ext uri="{FF2B5EF4-FFF2-40B4-BE49-F238E27FC236}">
+                <a16:creationId xmlns:a16="http://schemas.microsoft.com/office/drawing/2014/main" id="{B56FA2E1-9360-41E4-BB94-95FEA3D4F8A1}"/>
+              </a:ext>
+            </a:extLst>
+          </p:cNvPr>
+          <p:cNvSpPr txBox="1"/>
+          <p:nvPr/>
+        </p:nvSpPr>
+        <p:spPr>
+          <a:xfrm>
+            <a:off x="2979964" y="1828800"/>
+            <a:ext cx="2833007" cy="1200329"/>
+          </a:xfrm>
+          <a:prstGeom prst="rect">
+            <a:avLst/>
+          </a:prstGeom>
+          <a:noFill/>
+        </p:spPr>
+        <p:txBody>
+          <a:bodyPr wrap="square" rtlCol="0">
+            <a:spAutoFit/>
+          </a:bodyPr>
+          <a:lstStyle/>
+          <a:p>
+            <a:r>
+              <a:rPr lang="en-US" dirty="0"/>
+              <a:t>Black: </a:t>
+            </a:r>
+            <a:r>
+              <a:rPr lang="en-US" dirty="0" err="1"/>
+              <a:t>HardQCD</a:t>
+            </a:r>
+            <a:r>
+              <a:rPr lang="en-US" dirty="0"/>
+              <a:t> ON </a:t>
+            </a:r>
+          </a:p>
+          <a:p>
+            <a:r>
+              <a:rPr lang="en-US" dirty="0">
+                <a:solidFill>
+                  <a:srgbClr val="FF0000"/>
+                </a:solidFill>
+              </a:rPr>
+              <a:t>Red: </a:t>
+            </a:r>
+            <a:r>
+              <a:rPr lang="en-US" dirty="0" err="1">
+                <a:solidFill>
+                  <a:srgbClr val="FF0000"/>
+                </a:solidFill>
+              </a:rPr>
+              <a:t>softQCD_nondiff_ON</a:t>
+            </a:r>
+            <a:endParaRPr lang="en-US" dirty="0">
+              <a:solidFill>
+                <a:srgbClr val="FF0000"/>
+              </a:solidFill>
+            </a:endParaRPr>
+          </a:p>
+          <a:p>
+            <a:endParaRPr lang="en-US" dirty="0">
+              <a:solidFill>
+                <a:srgbClr val="FF0000"/>
+              </a:solidFill>
+            </a:endParaRPr>
+          </a:p>
+          <a:p>
+            <a:r>
+              <a:rPr lang="en-US" dirty="0"/>
+              <a:t>Pythia tune: </a:t>
+            </a:r>
+            <a:r>
+              <a:rPr lang="en-US" sz="1800" dirty="0">
+                <a:solidFill>
+                  <a:srgbClr val="0000FF"/>
+                </a:solidFill>
+              </a:rPr>
+              <a:t>CUETP8M1</a:t>
+            </a:r>
+            <a:endParaRPr lang="en-US" dirty="0">
+              <a:solidFill>
+                <a:srgbClr val="FF0000"/>
+              </a:solidFill>
+            </a:endParaRPr>
+          </a:p>
+        </p:txBody>
+      </p:sp>
+      <p:sp>
+        <p:nvSpPr>
+          <p:cNvPr id="9" name="TextBox 8">
+            <a:extLst>
+              <a:ext uri="{FF2B5EF4-FFF2-40B4-BE49-F238E27FC236}">
+                <a16:creationId xmlns:a16="http://schemas.microsoft.com/office/drawing/2014/main" id="{2DCEF0FE-71FF-48C2-B367-B3A6E00000AE}"/>
+              </a:ext>
+            </a:extLst>
+          </p:cNvPr>
+          <p:cNvSpPr txBox="1"/>
+          <p:nvPr/>
+        </p:nvSpPr>
+        <p:spPr>
+          <a:xfrm>
+            <a:off x="8868146" y="1931324"/>
+            <a:ext cx="2833007" cy="923330"/>
+          </a:xfrm>
+          <a:prstGeom prst="rect">
+            <a:avLst/>
+          </a:prstGeom>
+          <a:noFill/>
+        </p:spPr>
+        <p:txBody>
+          <a:bodyPr wrap="square" rtlCol="0">
+            <a:spAutoFit/>
+          </a:bodyPr>
+          <a:lstStyle/>
+          <a:p>
+            <a:r>
+              <a:rPr lang="en-US" dirty="0"/>
+              <a:t>Black: Color Reconnection mode2</a:t>
+            </a:r>
+          </a:p>
+          <a:p>
+            <a:r>
+              <a:rPr lang="en-US" dirty="0">
+                <a:solidFill>
+                  <a:srgbClr val="FF0000"/>
+                </a:solidFill>
+              </a:rPr>
+              <a:t>Red:  CMS CUEPT8M1</a:t>
+            </a:r>
+          </a:p>
+        </p:txBody>
+      </p:sp>
+      <p:sp>
+        <p:nvSpPr>
+          <p:cNvPr id="10" name="Oval 9">
+            <a:extLst>
+              <a:ext uri="{FF2B5EF4-FFF2-40B4-BE49-F238E27FC236}">
+                <a16:creationId xmlns:a16="http://schemas.microsoft.com/office/drawing/2014/main" id="{7F3B2882-1AB9-4006-A7EC-4653776615A0}"/>
+              </a:ext>
+            </a:extLst>
+          </p:cNvPr>
+          <p:cNvSpPr/>
+          <p:nvPr/>
+        </p:nvSpPr>
+        <p:spPr>
+          <a:xfrm>
+            <a:off x="175953" y="895593"/>
+            <a:ext cx="1923058" cy="1986092"/>
+          </a:xfrm>
+          <a:prstGeom prst="ellipse">
+            <a:avLst/>
+          </a:prstGeom>
+          <a:noFill/>
+        </p:spPr>
+        <p:style>
+          <a:lnRef idx="2">
+            <a:schemeClr val="accent1">
+              <a:shade val="50000"/>
+            </a:schemeClr>
+          </a:lnRef>
+          <a:fillRef idx="1">
+            <a:schemeClr val="accent1"/>
+          </a:fillRef>
+          <a:effectRef idx="0">
+            <a:schemeClr val="accent1"/>
+          </a:effectRef>
+          <a:fontRef idx="minor">
+            <a:schemeClr val="lt1"/>
+          </a:fontRef>
+        </p:style>
+        <p:txBody>
+          <a:bodyPr rtlCol="0" anchor="ctr"/>
+          <a:lstStyle/>
+          <a:p>
+            <a:pPr algn="ctr"/>
+            <a:endParaRPr lang="en-US"/>
+          </a:p>
+        </p:txBody>
+      </p:sp>
+      <p:sp>
+        <p:nvSpPr>
+          <p:cNvPr id="12" name="TextBox 11">
+            <a:extLst>
+              <a:ext uri="{FF2B5EF4-FFF2-40B4-BE49-F238E27FC236}">
+                <a16:creationId xmlns:a16="http://schemas.microsoft.com/office/drawing/2014/main" id="{5D115F92-F4C6-4E83-8420-41E401B7DD76}"/>
+              </a:ext>
+            </a:extLst>
+          </p:cNvPr>
+          <p:cNvSpPr txBox="1"/>
+          <p:nvPr/>
+        </p:nvSpPr>
+        <p:spPr>
+          <a:xfrm>
+            <a:off x="7371411" y="5532558"/>
+            <a:ext cx="3554348" cy="923330"/>
+          </a:xfrm>
+          <a:prstGeom prst="rect">
+            <a:avLst/>
+          </a:prstGeom>
+          <a:noFill/>
+        </p:spPr>
+        <p:txBody>
+          <a:bodyPr wrap="square" rtlCol="0">
+            <a:spAutoFit/>
+          </a:bodyPr>
+          <a:lstStyle/>
+          <a:p>
+            <a:r>
+              <a:rPr lang="en-US" dirty="0"/>
+              <a:t>Small difference between </a:t>
+            </a:r>
+          </a:p>
+          <a:p>
+            <a:pPr marL="285750" indent="-285750">
+              <a:buFont typeface="Arial" panose="020B0604020202020204" pitchFamily="34" charset="0"/>
+              <a:buChar char="•"/>
+            </a:pPr>
+            <a:r>
+              <a:rPr lang="en-US" dirty="0">
+                <a:solidFill>
+                  <a:srgbClr val="0000FF"/>
+                </a:solidFill>
+              </a:rPr>
+              <a:t>CMS CUEPT8M1</a:t>
+            </a:r>
+            <a:r>
+              <a:rPr lang="en-US" dirty="0">
+                <a:solidFill>
+                  <a:srgbClr val="FF0000"/>
+                </a:solidFill>
+              </a:rPr>
+              <a:t> </a:t>
+            </a:r>
+            <a:r>
+              <a:rPr lang="en-US" dirty="0"/>
+              <a:t>and</a:t>
+            </a:r>
+            <a:r>
+              <a:rPr lang="en-US" dirty="0">
+                <a:solidFill>
+                  <a:srgbClr val="FF0000"/>
+                </a:solidFill>
+              </a:rPr>
+              <a:t> </a:t>
+            </a:r>
+          </a:p>
+          <a:p>
+            <a:pPr marL="285750" indent="-285750">
+              <a:buFont typeface="Arial" panose="020B0604020202020204" pitchFamily="34" charset="0"/>
+              <a:buChar char="•"/>
+            </a:pPr>
+            <a:r>
+              <a:rPr lang="en-US" dirty="0">
+                <a:solidFill>
+                  <a:srgbClr val="0000FF"/>
+                </a:solidFill>
+              </a:rPr>
+              <a:t>Color Reconnection mode2</a:t>
+            </a:r>
+          </a:p>
+        </p:txBody>
+      </p:sp>
+      <p:sp>
+        <p:nvSpPr>
+          <p:cNvPr id="17" name="TextBox 16">
+            <a:extLst>
+              <a:ext uri="{FF2B5EF4-FFF2-40B4-BE49-F238E27FC236}">
+                <a16:creationId xmlns:a16="http://schemas.microsoft.com/office/drawing/2014/main" id="{B125D48D-7076-451D-B1A5-EFC2896D854A}"/>
+              </a:ext>
+            </a:extLst>
+          </p:cNvPr>
+          <p:cNvSpPr txBox="1"/>
+          <p:nvPr/>
+        </p:nvSpPr>
+        <p:spPr>
+          <a:xfrm>
+            <a:off x="8832383" y="2968352"/>
+            <a:ext cx="3224463" cy="369332"/>
+          </a:xfrm>
+          <a:prstGeom prst="rect">
+            <a:avLst/>
+          </a:prstGeom>
+          <a:noFill/>
+        </p:spPr>
+        <p:txBody>
+          <a:bodyPr wrap="square" rtlCol="0">
+            <a:spAutoFit/>
+          </a:bodyPr>
+          <a:lstStyle/>
+          <a:p>
+            <a:r>
+              <a:rPr lang="en-US" dirty="0" err="1">
+                <a:solidFill>
+                  <a:srgbClr val="0000FF"/>
+                </a:solidFill>
+              </a:rPr>
+              <a:t>SoftQCD_nonDiffractive_ON</a:t>
+            </a:r>
+            <a:endParaRPr lang="en-US" dirty="0">
+              <a:solidFill>
+                <a:srgbClr val="0000FF"/>
+              </a:solidFill>
+            </a:endParaRPr>
+          </a:p>
+        </p:txBody>
+      </p:sp>
+      <p:sp>
+        <p:nvSpPr>
+          <p:cNvPr id="11" name="TextBox 10">
+            <a:extLst>
+              <a:ext uri="{FF2B5EF4-FFF2-40B4-BE49-F238E27FC236}">
+                <a16:creationId xmlns:a16="http://schemas.microsoft.com/office/drawing/2014/main" id="{0DA9CF06-552E-48BC-AE47-883992259521}"/>
+              </a:ext>
+            </a:extLst>
+          </p:cNvPr>
+          <p:cNvSpPr txBox="1"/>
+          <p:nvPr/>
+        </p:nvSpPr>
+        <p:spPr>
+          <a:xfrm>
+            <a:off x="8392884" y="4975488"/>
+            <a:ext cx="2534194" cy="369332"/>
+          </a:xfrm>
+          <a:prstGeom prst="rect">
+            <a:avLst/>
+          </a:prstGeom>
+          <a:noFill/>
+        </p:spPr>
+        <p:txBody>
+          <a:bodyPr wrap="square" rtlCol="0">
+            <a:spAutoFit/>
+          </a:bodyPr>
+          <a:lstStyle/>
+          <a:p>
+            <a:r>
+              <a:rPr lang="en-US" dirty="0" err="1"/>
+              <a:t>pT</a:t>
+            </a:r>
+            <a:r>
+              <a:rPr lang="en-US" dirty="0"/>
+              <a:t>(GeV/c)</a:t>
+            </a:r>
+          </a:p>
+        </p:txBody>
+      </p:sp>
+      <p:sp>
+        <p:nvSpPr>
+          <p:cNvPr id="13" name="TextBox 12">
+            <a:extLst>
+              <a:ext uri="{FF2B5EF4-FFF2-40B4-BE49-F238E27FC236}">
+                <a16:creationId xmlns:a16="http://schemas.microsoft.com/office/drawing/2014/main" id="{5A16B242-115D-471B-BD0D-A6275EB46A7B}"/>
+              </a:ext>
+            </a:extLst>
+          </p:cNvPr>
+          <p:cNvSpPr txBox="1"/>
+          <p:nvPr/>
+        </p:nvSpPr>
+        <p:spPr>
+          <a:xfrm>
+            <a:off x="3129370" y="5122284"/>
+            <a:ext cx="2534194" cy="369332"/>
+          </a:xfrm>
+          <a:prstGeom prst="rect">
+            <a:avLst/>
+          </a:prstGeom>
+          <a:noFill/>
+        </p:spPr>
+        <p:txBody>
+          <a:bodyPr wrap="square" rtlCol="0">
+            <a:spAutoFit/>
+          </a:bodyPr>
+          <a:lstStyle/>
+          <a:p>
+            <a:r>
+              <a:rPr lang="en-US" dirty="0" err="1"/>
+              <a:t>pT</a:t>
+            </a:r>
+            <a:r>
+              <a:rPr lang="en-US" dirty="0"/>
+              <a:t>(GeV/c)</a:t>
             </a:r>
           </a:p>
         </p:txBody>
@@ -4359,7 +4469,7 @@
     </p:spTree>
     <p:extLst>
       <p:ext uri="{BB962C8B-B14F-4D97-AF65-F5344CB8AC3E}">
-        <p14:creationId xmlns:p14="http://schemas.microsoft.com/office/powerpoint/2010/main" val="1880244705"/>
+        <p14:creationId xmlns:p14="http://schemas.microsoft.com/office/powerpoint/2010/main" val="172706132"/>
       </p:ext>
     </p:extLst>
   </p:cSld>
@@ -4386,6 +4496,848 @@
           <a:chExt cx="0" cy="0"/>
         </a:xfrm>
       </p:grpSpPr>
+      <p:sp>
+        <p:nvSpPr>
+          <p:cNvPr id="2" name="TextBox 1">
+            <a:extLst>
+              <a:ext uri="{FF2B5EF4-FFF2-40B4-BE49-F238E27FC236}">
+                <a16:creationId xmlns:a16="http://schemas.microsoft.com/office/drawing/2014/main" id="{0EACADBA-351C-4EA7-B780-B89FE57E5507}"/>
+              </a:ext>
+            </a:extLst>
+          </p:cNvPr>
+          <p:cNvSpPr txBox="1"/>
+          <p:nvPr/>
+        </p:nvSpPr>
+        <p:spPr>
+          <a:xfrm>
+            <a:off x="-184942" y="257106"/>
+            <a:ext cx="12227822" cy="553998"/>
+          </a:xfrm>
+          <a:prstGeom prst="rect">
+            <a:avLst/>
+          </a:prstGeom>
+          <a:noFill/>
+        </p:spPr>
+        <p:txBody>
+          <a:bodyPr wrap="square" rtlCol="0">
+            <a:spAutoFit/>
+          </a:bodyPr>
+          <a:lstStyle/>
+          <a:p>
+            <a:pPr algn="ctr"/>
+            <a:r>
+              <a:rPr lang="en-US" sz="3000" b="1" dirty="0" err="1">
+                <a:solidFill>
+                  <a:srgbClr val="FF0000"/>
+                </a:solidFill>
+              </a:rPr>
+              <a:t>B</a:t>
+            </a:r>
+            <a:r>
+              <a:rPr lang="en-US" sz="3000" b="1" dirty="0" err="1">
+                <a:solidFill>
+                  <a:srgbClr val="FF0000"/>
+                </a:solidFill>
+                <a:sym typeface="Wingdings" panose="05000000000000000000" pitchFamily="2" charset="2"/>
+              </a:rPr>
+              <a:t>Lc</a:t>
+            </a:r>
+            <a:r>
+              <a:rPr lang="en-US" sz="3000" b="1" dirty="0">
+                <a:solidFill>
+                  <a:srgbClr val="FF0000"/>
+                </a:solidFill>
+                <a:sym typeface="Wingdings" panose="05000000000000000000" pitchFamily="2" charset="2"/>
+              </a:rPr>
+              <a:t> </a:t>
+            </a:r>
+            <a:r>
+              <a:rPr lang="en-US" sz="3000" b="1" dirty="0">
+                <a:solidFill>
+                  <a:srgbClr val="FF0000"/>
+                </a:solidFill>
+              </a:rPr>
+              <a:t>With and Without Using </a:t>
+            </a:r>
+            <a:r>
+              <a:rPr lang="en-US" sz="3000" b="1" dirty="0" err="1">
+                <a:solidFill>
+                  <a:srgbClr val="FF0000"/>
+                </a:solidFill>
+              </a:rPr>
+              <a:t>EvtGen</a:t>
+            </a:r>
+            <a:r>
+              <a:rPr lang="en-US" sz="3000" b="1" dirty="0">
+                <a:solidFill>
+                  <a:srgbClr val="FF0000"/>
+                </a:solidFill>
+              </a:rPr>
+              <a:t> </a:t>
+            </a:r>
+          </a:p>
+        </p:txBody>
+      </p:sp>
+      <p:pic>
+        <p:nvPicPr>
+          <p:cNvPr id="5" name="Picture 4" descr="Chart&#10;&#10;Description automatically generated">
+            <a:extLst>
+              <a:ext uri="{FF2B5EF4-FFF2-40B4-BE49-F238E27FC236}">
+                <a16:creationId xmlns:a16="http://schemas.microsoft.com/office/drawing/2014/main" id="{4B9068C7-AF91-42FE-8F4D-4060B05FA0CB}"/>
+              </a:ext>
+            </a:extLst>
+          </p:cNvPr>
+          <p:cNvPicPr>
+            <a:picLocks noChangeAspect="1"/>
+          </p:cNvPicPr>
+          <p:nvPr/>
+        </p:nvPicPr>
+        <p:blipFill>
+          <a:blip r:embed="rId2">
+            <a:extLst>
+              <a:ext uri="{28A0092B-C50C-407E-A947-70E740481C1C}">
+                <a14:useLocalDpi xmlns:a14="http://schemas.microsoft.com/office/drawing/2010/main" val="0"/>
+              </a:ext>
+            </a:extLst>
+          </a:blip>
+          <a:stretch>
+            <a:fillRect/>
+          </a:stretch>
+        </p:blipFill>
+        <p:spPr>
+          <a:xfrm>
+            <a:off x="91440" y="1170515"/>
+            <a:ext cx="12192000" cy="4151210"/>
+          </a:xfrm>
+          <a:prstGeom prst="rect">
+            <a:avLst/>
+          </a:prstGeom>
+        </p:spPr>
+      </p:pic>
+      <p:sp>
+        <p:nvSpPr>
+          <p:cNvPr id="9" name="TextBox 8">
+            <a:extLst>
+              <a:ext uri="{FF2B5EF4-FFF2-40B4-BE49-F238E27FC236}">
+                <a16:creationId xmlns:a16="http://schemas.microsoft.com/office/drawing/2014/main" id="{433A1D25-1A69-43C2-BEC6-E5004B1015B9}"/>
+              </a:ext>
+            </a:extLst>
+          </p:cNvPr>
+          <p:cNvSpPr txBox="1"/>
+          <p:nvPr/>
+        </p:nvSpPr>
+        <p:spPr>
+          <a:xfrm>
+            <a:off x="2390503" y="2050869"/>
+            <a:ext cx="2468880" cy="707886"/>
+          </a:xfrm>
+          <a:prstGeom prst="rect">
+            <a:avLst/>
+          </a:prstGeom>
+          <a:noFill/>
+        </p:spPr>
+        <p:txBody>
+          <a:bodyPr wrap="square" rtlCol="0">
+            <a:spAutoFit/>
+          </a:bodyPr>
+          <a:lstStyle/>
+          <a:p>
+            <a:r>
+              <a:rPr lang="en-US" sz="2000" dirty="0">
+                <a:solidFill>
+                  <a:srgbClr val="FF0000"/>
+                </a:solidFill>
+              </a:rPr>
+              <a:t>red: </a:t>
+            </a:r>
+            <a:r>
+              <a:rPr lang="en-US" sz="2000" dirty="0" err="1">
+                <a:solidFill>
+                  <a:srgbClr val="FF0000"/>
+                </a:solidFill>
+              </a:rPr>
+              <a:t>evtgen</a:t>
+            </a:r>
+            <a:r>
+              <a:rPr lang="en-US" sz="2000" dirty="0">
+                <a:solidFill>
+                  <a:srgbClr val="FF0000"/>
+                </a:solidFill>
+              </a:rPr>
+              <a:t> decay</a:t>
+            </a:r>
+          </a:p>
+          <a:p>
+            <a:r>
+              <a:rPr lang="en-US" sz="2000" dirty="0"/>
+              <a:t>black: </a:t>
+            </a:r>
+            <a:r>
+              <a:rPr lang="en-US" sz="2000" dirty="0" err="1"/>
+              <a:t>pythia</a:t>
+            </a:r>
+            <a:r>
+              <a:rPr lang="en-US" sz="2000" dirty="0"/>
+              <a:t> decay</a:t>
+            </a:r>
+          </a:p>
+        </p:txBody>
+      </p:sp>
+      <p:sp>
+        <p:nvSpPr>
+          <p:cNvPr id="10" name="TextBox 9">
+            <a:extLst>
+              <a:ext uri="{FF2B5EF4-FFF2-40B4-BE49-F238E27FC236}">
+                <a16:creationId xmlns:a16="http://schemas.microsoft.com/office/drawing/2014/main" id="{1A6045DF-3BC6-4E88-8823-49C206FF5394}"/>
+              </a:ext>
+            </a:extLst>
+          </p:cNvPr>
+          <p:cNvSpPr txBox="1"/>
+          <p:nvPr/>
+        </p:nvSpPr>
+        <p:spPr>
+          <a:xfrm>
+            <a:off x="8541919" y="5015930"/>
+            <a:ext cx="2534194" cy="369332"/>
+          </a:xfrm>
+          <a:prstGeom prst="rect">
+            <a:avLst/>
+          </a:prstGeom>
+          <a:noFill/>
+        </p:spPr>
+        <p:txBody>
+          <a:bodyPr wrap="square" rtlCol="0">
+            <a:spAutoFit/>
+          </a:bodyPr>
+          <a:lstStyle/>
+          <a:p>
+            <a:r>
+              <a:rPr lang="en-US" dirty="0" err="1"/>
+              <a:t>pT</a:t>
+            </a:r>
+            <a:r>
+              <a:rPr lang="en-US" dirty="0"/>
+              <a:t>(GeV/c)</a:t>
+            </a:r>
+          </a:p>
+        </p:txBody>
+      </p:sp>
+      <p:sp>
+        <p:nvSpPr>
+          <p:cNvPr id="11" name="TextBox 10">
+            <a:extLst>
+              <a:ext uri="{FF2B5EF4-FFF2-40B4-BE49-F238E27FC236}">
+                <a16:creationId xmlns:a16="http://schemas.microsoft.com/office/drawing/2014/main" id="{4B5FF999-5929-497C-BB62-25EDA4D4EFA5}"/>
+              </a:ext>
+            </a:extLst>
+          </p:cNvPr>
+          <p:cNvSpPr txBox="1"/>
+          <p:nvPr/>
+        </p:nvSpPr>
+        <p:spPr>
+          <a:xfrm>
+            <a:off x="3181793" y="5079467"/>
+            <a:ext cx="2534194" cy="369332"/>
+          </a:xfrm>
+          <a:prstGeom prst="rect">
+            <a:avLst/>
+          </a:prstGeom>
+          <a:noFill/>
+        </p:spPr>
+        <p:txBody>
+          <a:bodyPr wrap="square" rtlCol="0">
+            <a:spAutoFit/>
+          </a:bodyPr>
+          <a:lstStyle/>
+          <a:p>
+            <a:r>
+              <a:rPr lang="en-US" dirty="0" err="1"/>
+              <a:t>pT</a:t>
+            </a:r>
+            <a:r>
+              <a:rPr lang="en-US" dirty="0"/>
+              <a:t>(GeV/c)</a:t>
+            </a:r>
+          </a:p>
+        </p:txBody>
+      </p:sp>
+      <p:sp>
+        <p:nvSpPr>
+          <p:cNvPr id="12" name="TextBox 11">
+            <a:extLst>
+              <a:ext uri="{FF2B5EF4-FFF2-40B4-BE49-F238E27FC236}">
+                <a16:creationId xmlns:a16="http://schemas.microsoft.com/office/drawing/2014/main" id="{DE9A28D6-71A0-418A-B42F-8633EF47369A}"/>
+              </a:ext>
+            </a:extLst>
+          </p:cNvPr>
+          <p:cNvSpPr txBox="1"/>
+          <p:nvPr/>
+        </p:nvSpPr>
+        <p:spPr>
+          <a:xfrm rot="10800000">
+            <a:off x="91440" y="2050869"/>
+            <a:ext cx="461665" cy="2019799"/>
+          </a:xfrm>
+          <a:prstGeom prst="rect">
+            <a:avLst/>
+          </a:prstGeom>
+          <a:noFill/>
+        </p:spPr>
+        <p:txBody>
+          <a:bodyPr vert="eaVert" wrap="square" rtlCol="0">
+            <a:spAutoFit/>
+          </a:bodyPr>
+          <a:lstStyle/>
+          <a:p>
+            <a:r>
+              <a:rPr lang="en-US" b="1" dirty="0" err="1"/>
+              <a:t>B</a:t>
+            </a:r>
+            <a:r>
+              <a:rPr lang="en-US" b="1" dirty="0" err="1">
+                <a:sym typeface="Wingdings" panose="05000000000000000000" pitchFamily="2" charset="2"/>
+              </a:rPr>
+              <a:t>Lc</a:t>
+            </a:r>
+            <a:r>
+              <a:rPr lang="en-US" b="1" dirty="0">
+                <a:sym typeface="Wingdings" panose="05000000000000000000" pitchFamily="2" charset="2"/>
+              </a:rPr>
+              <a:t> cross section</a:t>
+            </a:r>
+            <a:endParaRPr lang="en-US" b="1" dirty="0"/>
+          </a:p>
+        </p:txBody>
+      </p:sp>
+      <p:sp>
+        <p:nvSpPr>
+          <p:cNvPr id="13" name="TextBox 12">
+            <a:extLst>
+              <a:ext uri="{FF2B5EF4-FFF2-40B4-BE49-F238E27FC236}">
+                <a16:creationId xmlns:a16="http://schemas.microsoft.com/office/drawing/2014/main" id="{F9A60AF9-DA29-4229-AB14-B3609E58FA66}"/>
+              </a:ext>
+            </a:extLst>
+          </p:cNvPr>
+          <p:cNvSpPr txBox="1"/>
+          <p:nvPr/>
+        </p:nvSpPr>
+        <p:spPr>
+          <a:xfrm rot="10800000">
+            <a:off x="6096000" y="2018212"/>
+            <a:ext cx="461665" cy="2019799"/>
+          </a:xfrm>
+          <a:prstGeom prst="rect">
+            <a:avLst/>
+          </a:prstGeom>
+          <a:noFill/>
+        </p:spPr>
+        <p:txBody>
+          <a:bodyPr vert="eaVert" wrap="square" rtlCol="0">
+            <a:spAutoFit/>
+          </a:bodyPr>
+          <a:lstStyle/>
+          <a:p>
+            <a:r>
+              <a:rPr lang="en-US" b="1" dirty="0" err="1"/>
+              <a:t>EvtGen</a:t>
+            </a:r>
+            <a:r>
+              <a:rPr lang="en-US" b="1" dirty="0"/>
+              <a:t>/</a:t>
+            </a:r>
+            <a:r>
+              <a:rPr lang="en-US" b="1" dirty="0" err="1"/>
+              <a:t>pythia</a:t>
+            </a:r>
+            <a:endParaRPr lang="en-US" b="1" dirty="0"/>
+          </a:p>
+        </p:txBody>
+      </p:sp>
+      <p:sp>
+        <p:nvSpPr>
+          <p:cNvPr id="14" name="TextBox 13">
+            <a:extLst>
+              <a:ext uri="{FF2B5EF4-FFF2-40B4-BE49-F238E27FC236}">
+                <a16:creationId xmlns:a16="http://schemas.microsoft.com/office/drawing/2014/main" id="{4CF58606-2FFF-48E5-A872-96EEC1A49B98}"/>
+              </a:ext>
+            </a:extLst>
+          </p:cNvPr>
+          <p:cNvSpPr txBox="1"/>
+          <p:nvPr/>
+        </p:nvSpPr>
+        <p:spPr>
+          <a:xfrm>
+            <a:off x="1040673" y="5694247"/>
+            <a:ext cx="10110652" cy="1015663"/>
+          </a:xfrm>
+          <a:prstGeom prst="rect">
+            <a:avLst/>
+          </a:prstGeom>
+          <a:noFill/>
+        </p:spPr>
+        <p:txBody>
+          <a:bodyPr wrap="square" rtlCol="0">
+            <a:spAutoFit/>
+          </a:bodyPr>
+          <a:lstStyle/>
+          <a:p>
+            <a:pPr marL="457200" indent="-457200">
+              <a:buFont typeface="Arial" panose="020B0604020202020204" pitchFamily="34" charset="0"/>
+              <a:buChar char="•"/>
+            </a:pPr>
+            <a:r>
+              <a:rPr lang="en-US" sz="3000" dirty="0"/>
+              <a:t>Effect of decay kinematic ~ 5%.</a:t>
+            </a:r>
+          </a:p>
+          <a:p>
+            <a:pPr marL="457200" indent="-457200">
+              <a:buFont typeface="Arial" panose="020B0604020202020204" pitchFamily="34" charset="0"/>
+              <a:buChar char="•"/>
+            </a:pPr>
+            <a:r>
+              <a:rPr lang="en-US" sz="3000" dirty="0"/>
+              <a:t>Final result use </a:t>
+            </a:r>
+            <a:r>
+              <a:rPr lang="en-US" sz="3000" dirty="0" err="1"/>
+              <a:t>EvtGen</a:t>
+            </a:r>
+            <a:r>
+              <a:rPr lang="en-US" sz="3000" dirty="0"/>
+              <a:t>  </a:t>
+            </a:r>
+          </a:p>
+        </p:txBody>
+      </p:sp>
+    </p:spTree>
+    <p:extLst>
+      <p:ext uri="{BB962C8B-B14F-4D97-AF65-F5344CB8AC3E}">
+        <p14:creationId xmlns:p14="http://schemas.microsoft.com/office/powerpoint/2010/main" val="3458196115"/>
+      </p:ext>
+    </p:extLst>
+  </p:cSld>
+  <p:clrMapOvr>
+    <a:masterClrMapping/>
+  </p:clrMapOvr>
+</p:sld>
+</file>
+
+<file path=ppt/slides/slide4.xml><?xml version="1.0" encoding="utf-8"?>
+<p:sld xmlns:a="http://schemas.openxmlformats.org/drawingml/2006/main" xmlns:r="http://schemas.openxmlformats.org/officeDocument/2006/relationships" xmlns:p="http://schemas.openxmlformats.org/presentationml/2006/main">
+  <p:cSld>
+    <p:spTree>
+      <p:nvGrpSpPr>
+        <p:cNvPr id="1" name=""/>
+        <p:cNvGrpSpPr/>
+        <p:nvPr/>
+      </p:nvGrpSpPr>
+      <p:grpSpPr>
+        <a:xfrm>
+          <a:off x="0" y="0"/>
+          <a:ext cx="0" cy="0"/>
+          <a:chOff x="0" y="0"/>
+          <a:chExt cx="0" cy="0"/>
+        </a:xfrm>
+      </p:grpSpPr>
+      <p:sp>
+        <p:nvSpPr>
+          <p:cNvPr id="2" name="TextBox 1">
+            <a:extLst>
+              <a:ext uri="{FF2B5EF4-FFF2-40B4-BE49-F238E27FC236}">
+                <a16:creationId xmlns:a16="http://schemas.microsoft.com/office/drawing/2014/main" id="{CBA3D5A4-E387-4512-B75C-7AF54034244A}"/>
+              </a:ext>
+            </a:extLst>
+          </p:cNvPr>
+          <p:cNvSpPr txBox="1"/>
+          <p:nvPr/>
+        </p:nvSpPr>
+        <p:spPr>
+          <a:xfrm>
+            <a:off x="807476" y="4654360"/>
+            <a:ext cx="10870719" cy="2015936"/>
+          </a:xfrm>
+          <a:prstGeom prst="rect">
+            <a:avLst/>
+          </a:prstGeom>
+          <a:noFill/>
+        </p:spPr>
+        <p:txBody>
+          <a:bodyPr wrap="square" rtlCol="0">
+            <a:spAutoFit/>
+          </a:bodyPr>
+          <a:lstStyle/>
+          <a:p>
+            <a:pPr marL="342900" indent="-342900">
+              <a:buFont typeface="Arial" panose="020B0604020202020204" pitchFamily="34" charset="0"/>
+              <a:buChar char="•"/>
+            </a:pPr>
+            <a:r>
+              <a:rPr lang="en-US" sz="2500" dirty="0">
+                <a:solidFill>
+                  <a:srgbClr val="00B050"/>
+                </a:solidFill>
+              </a:rPr>
+              <a:t>Inclusive Lc is from CR2 tune with </a:t>
+            </a:r>
+            <a:r>
+              <a:rPr lang="en-US" sz="2500" dirty="0" err="1">
+                <a:solidFill>
+                  <a:srgbClr val="00B050"/>
+                </a:solidFill>
+              </a:rPr>
+              <a:t>softQCD_nondiff_ON</a:t>
+            </a:r>
+            <a:endParaRPr lang="en-US" sz="2500" dirty="0">
+              <a:solidFill>
+                <a:srgbClr val="00B050"/>
+              </a:solidFill>
+            </a:endParaRPr>
+          </a:p>
+          <a:p>
+            <a:pPr marL="800100" lvl="1" indent="-342900">
+              <a:buFont typeface="Arial" panose="020B0604020202020204" pitchFamily="34" charset="0"/>
+              <a:buChar char="•"/>
+            </a:pPr>
+            <a:r>
+              <a:rPr lang="en-US" sz="2500" dirty="0">
+                <a:solidFill>
+                  <a:srgbClr val="00B050"/>
+                </a:solidFill>
+              </a:rPr>
+              <a:t>It describe the data</a:t>
+            </a:r>
+          </a:p>
+          <a:p>
+            <a:pPr marL="342900" indent="-342900">
+              <a:buFont typeface="Arial" panose="020B0604020202020204" pitchFamily="34" charset="0"/>
+              <a:buChar char="•"/>
+            </a:pPr>
+            <a:r>
+              <a:rPr lang="en-US" sz="2500" dirty="0"/>
+              <a:t>In the last presentation, FONLL cross section for </a:t>
+            </a:r>
+            <a:r>
+              <a:rPr lang="en-US" sz="2500" dirty="0" err="1"/>
+              <a:t>B</a:t>
+            </a:r>
+            <a:r>
+              <a:rPr lang="en-US" sz="2500" dirty="0" err="1">
+                <a:sym typeface="Wingdings" panose="05000000000000000000" pitchFamily="2" charset="2"/>
+              </a:rPr>
+              <a:t>Lc</a:t>
+            </a:r>
+            <a:r>
+              <a:rPr lang="en-US" sz="2500" dirty="0">
+                <a:sym typeface="Wingdings" panose="05000000000000000000" pitchFamily="2" charset="2"/>
+              </a:rPr>
+              <a:t> </a:t>
+            </a:r>
+            <a:r>
+              <a:rPr lang="en-US" sz="2500" dirty="0">
+                <a:solidFill>
+                  <a:srgbClr val="0000FF"/>
+                </a:solidFill>
+              </a:rPr>
+              <a:t>missed the 2*</a:t>
+            </a:r>
+            <a:r>
+              <a:rPr lang="en-US" sz="2500" dirty="0" err="1">
+                <a:solidFill>
+                  <a:srgbClr val="0000FF"/>
+                </a:solidFill>
+              </a:rPr>
+              <a:t>lum</a:t>
+            </a:r>
+            <a:r>
+              <a:rPr lang="en-US" sz="2500" dirty="0">
+                <a:solidFill>
+                  <a:srgbClr val="0000FF"/>
+                </a:solidFill>
+              </a:rPr>
+              <a:t> (0.04 pb^-1) and bin width normalization</a:t>
+            </a:r>
+          </a:p>
+          <a:p>
+            <a:pPr marL="800100" lvl="1" indent="-342900">
+              <a:buFont typeface="Arial" panose="020B0604020202020204" pitchFamily="34" charset="0"/>
+              <a:buChar char="•"/>
+            </a:pPr>
+            <a:r>
+              <a:rPr lang="en-US" sz="2500" dirty="0"/>
+              <a:t>Rui probably made the same mistake leading to high prompt ratio in FONLL </a:t>
+            </a:r>
+          </a:p>
+        </p:txBody>
+      </p:sp>
+      <p:sp>
+        <p:nvSpPr>
+          <p:cNvPr id="4" name="TextBox 3">
+            <a:extLst>
+              <a:ext uri="{FF2B5EF4-FFF2-40B4-BE49-F238E27FC236}">
+                <a16:creationId xmlns:a16="http://schemas.microsoft.com/office/drawing/2014/main" id="{278D5F54-471E-4E84-91A8-A58B791444A4}"/>
+              </a:ext>
+            </a:extLst>
+          </p:cNvPr>
+          <p:cNvSpPr txBox="1"/>
+          <p:nvPr/>
+        </p:nvSpPr>
+        <p:spPr>
+          <a:xfrm>
+            <a:off x="0" y="109285"/>
+            <a:ext cx="12227822" cy="553998"/>
+          </a:xfrm>
+          <a:prstGeom prst="rect">
+            <a:avLst/>
+          </a:prstGeom>
+          <a:noFill/>
+        </p:spPr>
+        <p:txBody>
+          <a:bodyPr wrap="square" rtlCol="0">
+            <a:spAutoFit/>
+          </a:bodyPr>
+          <a:lstStyle/>
+          <a:p>
+            <a:pPr algn="ctr"/>
+            <a:r>
+              <a:rPr lang="en-US" sz="3000" b="1" dirty="0">
+                <a:solidFill>
+                  <a:srgbClr val="FF0000"/>
+                </a:solidFill>
+              </a:rPr>
+              <a:t>Lc prompt ratio with old and new weight</a:t>
+            </a:r>
+          </a:p>
+        </p:txBody>
+      </p:sp>
+      <p:pic>
+        <p:nvPicPr>
+          <p:cNvPr id="5" name="Picture 4" descr="Chart, box and whisker chart&#10;&#10;Description automatically generated">
+            <a:extLst>
+              <a:ext uri="{FF2B5EF4-FFF2-40B4-BE49-F238E27FC236}">
+                <a16:creationId xmlns:a16="http://schemas.microsoft.com/office/drawing/2014/main" id="{070181D8-3F70-404D-AC64-D8EB9F1DA738}"/>
+              </a:ext>
+            </a:extLst>
+          </p:cNvPr>
+          <p:cNvPicPr>
+            <a:picLocks noChangeAspect="1"/>
+          </p:cNvPicPr>
+          <p:nvPr/>
+        </p:nvPicPr>
+        <p:blipFill>
+          <a:blip r:embed="rId2">
+            <a:extLst>
+              <a:ext uri="{28A0092B-C50C-407E-A947-70E740481C1C}">
+                <a14:useLocalDpi xmlns:a14="http://schemas.microsoft.com/office/drawing/2010/main" val="0"/>
+              </a:ext>
+            </a:extLst>
+          </a:blip>
+          <a:stretch>
+            <a:fillRect/>
+          </a:stretch>
+        </p:blipFill>
+        <p:spPr>
+          <a:xfrm>
+            <a:off x="6093933" y="606533"/>
+            <a:ext cx="6133889" cy="4182996"/>
+          </a:xfrm>
+          <a:prstGeom prst="rect">
+            <a:avLst/>
+          </a:prstGeom>
+        </p:spPr>
+      </p:pic>
+      <p:pic>
+        <p:nvPicPr>
+          <p:cNvPr id="8" name="Picture 7" descr="Chart&#10;&#10;Description automatically generated">
+            <a:extLst>
+              <a:ext uri="{FF2B5EF4-FFF2-40B4-BE49-F238E27FC236}">
+                <a16:creationId xmlns:a16="http://schemas.microsoft.com/office/drawing/2014/main" id="{2A774191-55BF-4EDF-9298-4F0033547CB9}"/>
+              </a:ext>
+            </a:extLst>
+          </p:cNvPr>
+          <p:cNvPicPr>
+            <a:picLocks noChangeAspect="1"/>
+          </p:cNvPicPr>
+          <p:nvPr/>
+        </p:nvPicPr>
+        <p:blipFill>
+          <a:blip r:embed="rId3">
+            <a:extLst>
+              <a:ext uri="{28A0092B-C50C-407E-A947-70E740481C1C}">
+                <a14:useLocalDpi xmlns:a14="http://schemas.microsoft.com/office/drawing/2010/main" val="0"/>
+              </a:ext>
+            </a:extLst>
+          </a:blip>
+          <a:stretch>
+            <a:fillRect/>
+          </a:stretch>
+        </p:blipFill>
+        <p:spPr>
+          <a:xfrm>
+            <a:off x="146458" y="624074"/>
+            <a:ext cx="5967453" cy="4069495"/>
+          </a:xfrm>
+          <a:prstGeom prst="rect">
+            <a:avLst/>
+          </a:prstGeom>
+        </p:spPr>
+      </p:pic>
+      <p:sp>
+        <p:nvSpPr>
+          <p:cNvPr id="9" name="TextBox 8">
+            <a:extLst>
+              <a:ext uri="{FF2B5EF4-FFF2-40B4-BE49-F238E27FC236}">
+                <a16:creationId xmlns:a16="http://schemas.microsoft.com/office/drawing/2014/main" id="{E89FD28B-862D-4EDF-82A0-AA912CAB2E84}"/>
+              </a:ext>
+            </a:extLst>
+          </p:cNvPr>
+          <p:cNvSpPr txBox="1"/>
+          <p:nvPr/>
+        </p:nvSpPr>
+        <p:spPr>
+          <a:xfrm>
+            <a:off x="1776548" y="3422469"/>
+            <a:ext cx="3834059" cy="646331"/>
+          </a:xfrm>
+          <a:prstGeom prst="rect">
+            <a:avLst/>
+          </a:prstGeom>
+          <a:noFill/>
+        </p:spPr>
+        <p:txBody>
+          <a:bodyPr wrap="square" rtlCol="0">
+            <a:spAutoFit/>
+          </a:bodyPr>
+          <a:lstStyle/>
+          <a:p>
+            <a:r>
+              <a:rPr lang="en-US" b="1" dirty="0">
+                <a:solidFill>
+                  <a:srgbClr val="FF0000"/>
+                </a:solidFill>
+              </a:rPr>
+              <a:t>Red: weight w/ </a:t>
+            </a:r>
+            <a:r>
+              <a:rPr lang="en-US" b="1" dirty="0" err="1">
+                <a:solidFill>
+                  <a:srgbClr val="FF0000"/>
+                </a:solidFill>
+              </a:rPr>
+              <a:t>softQCD_nodiff_on</a:t>
+            </a:r>
+            <a:endParaRPr lang="en-US" b="1" dirty="0">
+              <a:solidFill>
+                <a:srgbClr val="FF0000"/>
+              </a:solidFill>
+            </a:endParaRPr>
+          </a:p>
+          <a:p>
+            <a:r>
+              <a:rPr lang="en-US" b="1" dirty="0"/>
+              <a:t>Black: weight w/</a:t>
+            </a:r>
+            <a:r>
+              <a:rPr lang="en-US" b="1" dirty="0" err="1"/>
+              <a:t>hardQCD_ON</a:t>
+            </a:r>
+            <a:endParaRPr lang="en-US" b="1" dirty="0"/>
+          </a:p>
+        </p:txBody>
+      </p:sp>
+      <p:sp>
+        <p:nvSpPr>
+          <p:cNvPr id="10" name="TextBox 9">
+            <a:extLst>
+              <a:ext uri="{FF2B5EF4-FFF2-40B4-BE49-F238E27FC236}">
+                <a16:creationId xmlns:a16="http://schemas.microsoft.com/office/drawing/2014/main" id="{6E110F3F-DB2E-40EA-90B3-93D86D1BE3EB}"/>
+              </a:ext>
+            </a:extLst>
+          </p:cNvPr>
+          <p:cNvSpPr txBox="1"/>
+          <p:nvPr/>
+        </p:nvSpPr>
+        <p:spPr>
+          <a:xfrm>
+            <a:off x="7454537" y="3535680"/>
+            <a:ext cx="3834059" cy="646331"/>
+          </a:xfrm>
+          <a:prstGeom prst="rect">
+            <a:avLst/>
+          </a:prstGeom>
+          <a:noFill/>
+        </p:spPr>
+        <p:txBody>
+          <a:bodyPr wrap="square" rtlCol="0">
+            <a:spAutoFit/>
+          </a:bodyPr>
+          <a:lstStyle/>
+          <a:p>
+            <a:r>
+              <a:rPr lang="en-US" b="1" dirty="0">
+                <a:solidFill>
+                  <a:srgbClr val="FF0000"/>
+                </a:solidFill>
+              </a:rPr>
+              <a:t>Red: weight w/ </a:t>
+            </a:r>
+            <a:r>
+              <a:rPr lang="en-US" b="1" dirty="0" err="1">
+                <a:solidFill>
+                  <a:srgbClr val="FF0000"/>
+                </a:solidFill>
+              </a:rPr>
+              <a:t>softQCD_nodiff_on</a:t>
+            </a:r>
+            <a:endParaRPr lang="en-US" b="1" dirty="0">
+              <a:solidFill>
+                <a:srgbClr val="FF0000"/>
+              </a:solidFill>
+            </a:endParaRPr>
+          </a:p>
+          <a:p>
+            <a:r>
+              <a:rPr lang="en-US" b="1" dirty="0"/>
+              <a:t>Black: weight w/</a:t>
+            </a:r>
+            <a:r>
+              <a:rPr lang="en-US" b="1" dirty="0" err="1"/>
+              <a:t>hardQCD_ON</a:t>
+            </a:r>
+            <a:endParaRPr lang="en-US" b="1" dirty="0"/>
+          </a:p>
+        </p:txBody>
+      </p:sp>
+    </p:spTree>
+    <p:extLst>
+      <p:ext uri="{BB962C8B-B14F-4D97-AF65-F5344CB8AC3E}">
+        <p14:creationId xmlns:p14="http://schemas.microsoft.com/office/powerpoint/2010/main" val="4021161201"/>
+      </p:ext>
+    </p:extLst>
+  </p:cSld>
+  <p:clrMapOvr>
+    <a:masterClrMapping/>
+  </p:clrMapOvr>
+</p:sld>
+</file>
+
+<file path=ppt/slides/slide5.xml><?xml version="1.0" encoding="utf-8"?>
+<p:sld xmlns:a="http://schemas.openxmlformats.org/drawingml/2006/main" xmlns:r="http://schemas.openxmlformats.org/officeDocument/2006/relationships" xmlns:p="http://schemas.openxmlformats.org/presentationml/2006/main">
+  <p:cSld>
+    <p:spTree>
+      <p:nvGrpSpPr>
+        <p:cNvPr id="1" name=""/>
+        <p:cNvGrpSpPr/>
+        <p:nvPr/>
+      </p:nvGrpSpPr>
+      <p:grpSpPr>
+        <a:xfrm>
+          <a:off x="0" y="0"/>
+          <a:ext cx="0" cy="0"/>
+          <a:chOff x="0" y="0"/>
+          <a:chExt cx="0" cy="0"/>
+        </a:xfrm>
+      </p:grpSpPr>
       <p:pic>
         <p:nvPicPr>
           <p:cNvPr id="3" name="Picture 2">
@@ -4408,44 +5360,8 @@
         </p:blipFill>
         <p:spPr>
           <a:xfrm>
-            <a:off x="0" y="153188"/>
+            <a:off x="244928" y="615145"/>
             <a:ext cx="6439989" cy="3074894"/>
-          </a:xfrm>
-          <a:prstGeom prst="rect">
-            <a:avLst/>
-          </a:prstGeom>
-        </p:spPr>
-      </p:pic>
-      <p:pic>
-        <p:nvPicPr>
-          <p:cNvPr id="5" name="Picture 4" descr="Chart, box and whisker chart&#10;&#10;Description automatically generated">
-            <a:extLst>
-              <a:ext uri="{FF2B5EF4-FFF2-40B4-BE49-F238E27FC236}">
-                <a16:creationId xmlns:a16="http://schemas.microsoft.com/office/drawing/2014/main" id="{295158DE-8DBC-4115-A61C-C0AE25344710}"/>
-              </a:ext>
-            </a:extLst>
-          </p:cNvPr>
-          <p:cNvPicPr>
-            <a:picLocks noChangeAspect="1"/>
-          </p:cNvPicPr>
-          <p:nvPr/>
-        </p:nvPicPr>
-        <p:blipFill>
-          <a:blip r:embed="rId3">
-            <a:extLst>
-              <a:ext uri="{28A0092B-C50C-407E-A947-70E740481C1C}">
-                <a14:useLocalDpi xmlns:a14="http://schemas.microsoft.com/office/drawing/2010/main" val="0"/>
-              </a:ext>
-            </a:extLst>
-          </a:blip>
-          <a:stretch>
-            <a:fillRect/>
-          </a:stretch>
-        </p:blipFill>
-        <p:spPr>
-          <a:xfrm>
-            <a:off x="196551" y="2764214"/>
-            <a:ext cx="6028403" cy="4093786"/>
           </a:xfrm>
           <a:prstGeom prst="rect">
             <a:avLst/>
@@ -4467,13 +5383,13 @@
           <p:nvPr>
             <p:extLst>
               <p:ext uri="{D42A27DB-BD31-4B8C-83A1-F6EECF244321}">
-                <p14:modId xmlns:p14="http://schemas.microsoft.com/office/powerpoint/2010/main" val="2725436129"/>
+                <p14:modId xmlns:p14="http://schemas.microsoft.com/office/powerpoint/2010/main" val="1294689373"/>
               </p:ext>
             </p:extLst>
           </p:nvPr>
         </p:nvGraphicFramePr>
         <p:xfrm>
-          <a:off x="6805748" y="3029037"/>
+          <a:off x="6897188" y="2715528"/>
           <a:ext cx="4637316" cy="3657600"/>
         </p:xfrm>
         <a:graphic>
@@ -4573,7 +5489,7 @@
                     <a:p>
                       <a:r>
                         <a:rPr lang="en-US" dirty="0"/>
-                        <a:t>0.62</a:t>
+                        <a:t>0.64</a:t>
                       </a:r>
                     </a:p>
                   </a:txBody>
@@ -4586,7 +5502,7 @@
                     <a:p>
                       <a:r>
                         <a:rPr lang="en-US" dirty="0"/>
-                        <a:t>0.991</a:t>
+                        <a:t>0.74</a:t>
                       </a:r>
                     </a:p>
                   </a:txBody>
@@ -4619,7 +5535,7 @@
                     <a:p>
                       <a:r>
                         <a:rPr lang="en-US" dirty="0"/>
-                        <a:t>0.66</a:t>
+                        <a:t>0.67</a:t>
                       </a:r>
                     </a:p>
                   </a:txBody>
@@ -4632,7 +5548,7 @@
                     <a:p>
                       <a:r>
                         <a:rPr lang="en-US" dirty="0"/>
-                        <a:t>0.993</a:t>
+                        <a:t>0.78</a:t>
                       </a:r>
                     </a:p>
                   </a:txBody>
@@ -4665,7 +5581,7 @@
                     <a:p>
                       <a:r>
                         <a:rPr lang="en-US" dirty="0"/>
-                        <a:t>0.66</a:t>
+                        <a:t>0.67</a:t>
                       </a:r>
                     </a:p>
                   </a:txBody>
@@ -4678,7 +5594,7 @@
                     <a:p>
                       <a:r>
                         <a:rPr lang="en-US" dirty="0"/>
-                        <a:t>0.993</a:t>
+                        <a:t>0.78</a:t>
                       </a:r>
                     </a:p>
                   </a:txBody>
@@ -4724,7 +5640,7 @@
                     <a:p>
                       <a:r>
                         <a:rPr lang="en-US" dirty="0"/>
-                        <a:t>0.987</a:t>
+                        <a:t>0.79</a:t>
                       </a:r>
                     </a:p>
                   </a:txBody>
@@ -4770,7 +5686,7 @@
                     <a:p>
                       <a:r>
                         <a:rPr lang="en-US" dirty="0"/>
-                        <a:t>0.988</a:t>
+                        <a:t>0.80</a:t>
                       </a:r>
                     </a:p>
                   </a:txBody>
@@ -4803,7 +5719,7 @@
                     <a:p>
                       <a:r>
                         <a:rPr lang="en-US" dirty="0"/>
-                        <a:t>0.684</a:t>
+                        <a:t>0.68</a:t>
                       </a:r>
                     </a:p>
                   </a:txBody>
@@ -4816,7 +5732,7 @@
                     <a:p>
                       <a:r>
                         <a:rPr lang="en-US" dirty="0"/>
-                        <a:t>0.984</a:t>
+                        <a:t>0.79</a:t>
                       </a:r>
                     </a:p>
                   </a:txBody>
@@ -4849,7 +5765,7 @@
                     <a:p>
                       <a:r>
                         <a:rPr lang="en-US" dirty="0"/>
-                        <a:t>0.70</a:t>
+                        <a:t>0.69</a:t>
                       </a:r>
                     </a:p>
                   </a:txBody>
@@ -4862,7 +5778,7 @@
                     <a:p>
                       <a:r>
                         <a:rPr lang="en-US" dirty="0"/>
-                        <a:t>0.985</a:t>
+                        <a:t>0.79</a:t>
                       </a:r>
                     </a:p>
                   </a:txBody>
@@ -4895,7 +5811,7 @@
                     <a:p>
                       <a:r>
                         <a:rPr lang="en-US" dirty="0"/>
-                        <a:t>0.73</a:t>
+                        <a:t>0.71</a:t>
                       </a:r>
                     </a:p>
                   </a:txBody>
@@ -4908,7 +5824,7 @@
                     <a:p>
                       <a:r>
                         <a:rPr lang="en-US" dirty="0"/>
-                        <a:t>0.973</a:t>
+                        <a:t>0.80</a:t>
                       </a:r>
                     </a:p>
                   </a:txBody>
@@ -4954,7 +5870,7 @@
                     <a:p>
                       <a:r>
                         <a:rPr lang="en-US" dirty="0"/>
-                        <a:t>0.947</a:t>
+                        <a:t>0.82</a:t>
                       </a:r>
                     </a:p>
                   </a:txBody>
@@ -4984,8 +5900,8 @@
         </p:nvSpPr>
         <p:spPr>
           <a:xfrm>
-            <a:off x="6564086" y="213307"/>
-            <a:ext cx="5120640" cy="2954655"/>
+            <a:off x="7112724" y="1223164"/>
+            <a:ext cx="5120640" cy="1246495"/>
           </a:xfrm>
           <a:prstGeom prst="rect">
             <a:avLst/>
@@ -4999,47 +5915,178 @@
           <a:lstStyle/>
           <a:p>
             <a:r>
-              <a:rPr lang="en-US" sz="2500" dirty="0"/>
-              <a:t>The prompt ratio are roughly consistent with Rui’s results. </a:t>
-            </a:r>
-          </a:p>
-          <a:p>
-            <a:endParaRPr lang="en-US" sz="2500" dirty="0"/>
-          </a:p>
-          <a:p>
-            <a:r>
-              <a:rPr lang="en-US" sz="2500" dirty="0"/>
-              <a:t>The small difference could be from </a:t>
-            </a:r>
-          </a:p>
-          <a:p>
-            <a:pPr marL="342900" indent="-342900">
-              <a:buFont typeface="Arial" panose="020B0604020202020204" pitchFamily="34" charset="0"/>
-              <a:buChar char="•"/>
-            </a:pPr>
-            <a:r>
-              <a:rPr lang="en-US" sz="2500" dirty="0"/>
-              <a:t>Pythia tuning </a:t>
-            </a:r>
-          </a:p>
-          <a:p>
-            <a:pPr marL="342900" indent="-342900">
-              <a:buFont typeface="Arial" panose="020B0604020202020204" pitchFamily="34" charset="0"/>
-              <a:buChar char="•"/>
-            </a:pPr>
-            <a:r>
-              <a:rPr lang="en-US" sz="2500" dirty="0"/>
-              <a:t>Pythia version</a:t>
-            </a:r>
-          </a:p>
-          <a:p>
-            <a:endParaRPr lang="en-US" dirty="0"/>
-          </a:p>
-          <a:p>
-            <a:r>
-              <a:rPr lang="en-US" dirty="0"/>
+              <a:rPr lang="en-US" sz="2500" b="1" dirty="0">
+                <a:solidFill>
+                  <a:srgbClr val="0000FF"/>
+                </a:solidFill>
+              </a:rPr>
+              <a:t>Using weight from </a:t>
+            </a:r>
+            <a:r>
+              <a:rPr lang="en-US" sz="2500" b="1" dirty="0" err="1">
+                <a:solidFill>
+                  <a:srgbClr val="0000FF"/>
+                </a:solidFill>
+              </a:rPr>
+              <a:t>softQCD_nondiff_ON</a:t>
+            </a:r>
+            <a:r>
+              <a:rPr lang="en-US" sz="2500" b="1" dirty="0">
+                <a:solidFill>
+                  <a:srgbClr val="0000FF"/>
+                </a:solidFill>
+              </a:rPr>
+              <a:t>. </a:t>
+            </a:r>
+          </a:p>
+          <a:p>
+            <a:r>
+              <a:rPr lang="en-US" sz="2500" b="1" dirty="0">
+                <a:solidFill>
+                  <a:srgbClr val="0000FF"/>
+                </a:solidFill>
+              </a:rPr>
               <a:t>  </a:t>
             </a:r>
+          </a:p>
+        </p:txBody>
+      </p:sp>
+      <p:sp>
+        <p:nvSpPr>
+          <p:cNvPr id="8" name="TextBox 7">
+            <a:extLst>
+              <a:ext uri="{FF2B5EF4-FFF2-40B4-BE49-F238E27FC236}">
+                <a16:creationId xmlns:a16="http://schemas.microsoft.com/office/drawing/2014/main" id="{F67E8CF3-458E-4E04-88D4-2EEBC6CD8DEF}"/>
+              </a:ext>
+            </a:extLst>
+          </p:cNvPr>
+          <p:cNvSpPr txBox="1"/>
+          <p:nvPr/>
+        </p:nvSpPr>
+        <p:spPr>
+          <a:xfrm>
+            <a:off x="-182879" y="109788"/>
+            <a:ext cx="12227822" cy="553998"/>
+          </a:xfrm>
+          <a:prstGeom prst="rect">
+            <a:avLst/>
+          </a:prstGeom>
+          <a:noFill/>
+        </p:spPr>
+        <p:txBody>
+          <a:bodyPr wrap="square" rtlCol="0">
+            <a:spAutoFit/>
+          </a:bodyPr>
+          <a:lstStyle/>
+          <a:p>
+            <a:pPr algn="ctr"/>
+            <a:r>
+              <a:rPr lang="en-US" sz="3000" dirty="0">
+                <a:solidFill>
+                  <a:srgbClr val="FF0000"/>
+                </a:solidFill>
+              </a:rPr>
+              <a:t>Final results of Lc prompt ratio from PYTHIA</a:t>
+            </a:r>
+          </a:p>
+        </p:txBody>
+      </p:sp>
+      <p:pic>
+        <p:nvPicPr>
+          <p:cNvPr id="9" name="Picture 8" descr="Chart, box and whisker chart&#10;&#10;Description automatically generated">
+            <a:extLst>
+              <a:ext uri="{FF2B5EF4-FFF2-40B4-BE49-F238E27FC236}">
+                <a16:creationId xmlns:a16="http://schemas.microsoft.com/office/drawing/2014/main" id="{45D7E3E5-D284-4672-A797-70AB99364780}"/>
+              </a:ext>
+            </a:extLst>
+          </p:cNvPr>
+          <p:cNvPicPr>
+            <a:picLocks noChangeAspect="1"/>
+          </p:cNvPicPr>
+          <p:nvPr/>
+        </p:nvPicPr>
+        <p:blipFill>
+          <a:blip r:embed="rId3">
+            <a:extLst>
+              <a:ext uri="{28A0092B-C50C-407E-A947-70E740481C1C}">
+                <a14:useLocalDpi xmlns:a14="http://schemas.microsoft.com/office/drawing/2010/main" val="0"/>
+              </a:ext>
+            </a:extLst>
+          </a:blip>
+          <a:stretch>
+            <a:fillRect/>
+          </a:stretch>
+        </p:blipFill>
+        <p:spPr>
+          <a:xfrm>
+            <a:off x="567575" y="3090611"/>
+            <a:ext cx="5363457" cy="3657601"/>
+          </a:xfrm>
+          <a:prstGeom prst="rect">
+            <a:avLst/>
+          </a:prstGeom>
+        </p:spPr>
+      </p:pic>
+      <p:sp>
+        <p:nvSpPr>
+          <p:cNvPr id="10" name="TextBox 9">
+            <a:extLst>
+              <a:ext uri="{FF2B5EF4-FFF2-40B4-BE49-F238E27FC236}">
+                <a16:creationId xmlns:a16="http://schemas.microsoft.com/office/drawing/2014/main" id="{0FCFF562-656F-4BC4-8807-6C08FA1E9B7B}"/>
+              </a:ext>
+            </a:extLst>
+          </p:cNvPr>
+          <p:cNvSpPr txBox="1"/>
+          <p:nvPr/>
+        </p:nvSpPr>
+        <p:spPr>
+          <a:xfrm>
+            <a:off x="1393372" y="5596524"/>
+            <a:ext cx="3834059" cy="646331"/>
+          </a:xfrm>
+          <a:prstGeom prst="rect">
+            <a:avLst/>
+          </a:prstGeom>
+          <a:noFill/>
+        </p:spPr>
+        <p:txBody>
+          <a:bodyPr wrap="square" rtlCol="0">
+            <a:spAutoFit/>
+          </a:bodyPr>
+          <a:lstStyle/>
+          <a:p>
+            <a:r>
+              <a:rPr lang="en-US" b="1" dirty="0">
+                <a:solidFill>
+                  <a:srgbClr val="FF0000"/>
+                </a:solidFill>
+              </a:rPr>
+              <a:t>Red: weight w/ </a:t>
+            </a:r>
+            <a:r>
+              <a:rPr lang="en-US" b="1" dirty="0" err="1">
+                <a:solidFill>
+                  <a:srgbClr val="FF0000"/>
+                </a:solidFill>
+              </a:rPr>
+              <a:t>softQCD_nodiff_on</a:t>
+            </a:r>
+            <a:endParaRPr lang="en-US" b="1" dirty="0">
+              <a:solidFill>
+                <a:srgbClr val="FF0000"/>
+              </a:solidFill>
+            </a:endParaRPr>
+          </a:p>
+          <a:p>
+            <a:r>
+              <a:rPr lang="en-US" b="1" dirty="0"/>
+              <a:t>Black: weight w/</a:t>
+            </a:r>
+            <a:r>
+              <a:rPr lang="en-US" b="1" dirty="0" err="1"/>
+              <a:t>hardQCD_ON</a:t>
+            </a:r>
+            <a:endParaRPr lang="en-US" b="1" dirty="0"/>
           </a:p>
         </p:txBody>
       </p:sp>
@@ -5056,7 +6103,7 @@
 </p:sld>
 </file>
 
-<file path=ppt/slides/slide4.xml><?xml version="1.0" encoding="utf-8"?>
+<file path=ppt/slides/slide6.xml><?xml version="1.0" encoding="utf-8"?>
 <p:sld xmlns:a="http://schemas.openxmlformats.org/drawingml/2006/main" xmlns:r="http://schemas.openxmlformats.org/officeDocument/2006/relationships" xmlns:p="http://schemas.openxmlformats.org/presentationml/2006/main">
   <p:cSld>
     <p:spTree>
@@ -5078,7 +6125,7 @@
           <p:cNvPr id="2" name="TextBox 1">
             <a:extLst>
               <a:ext uri="{FF2B5EF4-FFF2-40B4-BE49-F238E27FC236}">
-                <a16:creationId xmlns:a16="http://schemas.microsoft.com/office/drawing/2014/main" id="{DE489F00-4F48-4055-92B6-75F62CF6EDED}"/>
+                <a16:creationId xmlns:a16="http://schemas.microsoft.com/office/drawing/2014/main" id="{29B0D20C-900B-47DC-9DD9-370479475BD4}"/>
               </a:ext>
             </a:extLst>
           </p:cNvPr>
@@ -5087,8 +6134,8 @@
         </p:nvSpPr>
         <p:spPr>
           <a:xfrm>
-            <a:off x="441158" y="802105"/>
-            <a:ext cx="10427368" cy="646331"/>
+            <a:off x="2886892" y="2599508"/>
+            <a:ext cx="6779623" cy="1015663"/>
           </a:xfrm>
           <a:prstGeom prst="rect">
             <a:avLst/>
@@ -5101,21 +6148,560 @@
           </a:bodyPr>
           <a:lstStyle/>
           <a:p>
+            <a:pPr algn="ctr"/>
+            <a:r>
+              <a:rPr lang="en-US" sz="6000" dirty="0"/>
+              <a:t>backup</a:t>
+            </a:r>
+          </a:p>
+        </p:txBody>
+      </p:sp>
+    </p:spTree>
+    <p:extLst>
+      <p:ext uri="{BB962C8B-B14F-4D97-AF65-F5344CB8AC3E}">
+        <p14:creationId xmlns:p14="http://schemas.microsoft.com/office/powerpoint/2010/main" val="2247439685"/>
+      </p:ext>
+    </p:extLst>
+  </p:cSld>
+  <p:clrMapOvr>
+    <a:masterClrMapping/>
+  </p:clrMapOvr>
+</p:sld>
+</file>
+
+<file path=ppt/slides/slide7.xml><?xml version="1.0" encoding="utf-8"?>
+<p:sld xmlns:a="http://schemas.openxmlformats.org/drawingml/2006/main" xmlns:r="http://schemas.openxmlformats.org/officeDocument/2006/relationships" xmlns:p="http://schemas.openxmlformats.org/presentationml/2006/main">
+  <p:cSld>
+    <p:spTree>
+      <p:nvGrpSpPr>
+        <p:cNvPr id="1" name=""/>
+        <p:cNvGrpSpPr/>
+        <p:nvPr/>
+      </p:nvGrpSpPr>
+      <p:grpSpPr>
+        <a:xfrm>
+          <a:off x="0" y="0"/>
+          <a:ext cx="0" cy="0"/>
+          <a:chOff x="0" y="0"/>
+          <a:chExt cx="0" cy="0"/>
+        </a:xfrm>
+      </p:grpSpPr>
+      <p:sp>
+        <p:nvSpPr>
+          <p:cNvPr id="2" name="TextBox 1">
+            <a:extLst>
+              <a:ext uri="{FF2B5EF4-FFF2-40B4-BE49-F238E27FC236}">
+                <a16:creationId xmlns:a16="http://schemas.microsoft.com/office/drawing/2014/main" id="{9C6ACDE1-6C9B-40D4-B2C9-1468233127BF}"/>
+              </a:ext>
+            </a:extLst>
+          </p:cNvPr>
+          <p:cNvSpPr txBox="1"/>
+          <p:nvPr/>
+        </p:nvSpPr>
+        <p:spPr>
+          <a:xfrm>
+            <a:off x="143692" y="197346"/>
+            <a:ext cx="6557555" cy="6463308"/>
+          </a:xfrm>
+          <a:prstGeom prst="rect">
+            <a:avLst/>
+          </a:prstGeom>
+          <a:noFill/>
+        </p:spPr>
+        <p:txBody>
+          <a:bodyPr wrap="square" rtlCol="0">
+            <a:spAutoFit/>
+          </a:bodyPr>
+          <a:lstStyle/>
+          <a:p>
+            <a:r>
+              <a:rPr lang="en-US" dirty="0"/>
+              <a:t> </a:t>
+            </a:r>
+            <a:r>
+              <a:rPr lang="en-US" dirty="0" err="1"/>
+              <a:t>pythia.readString</a:t>
+            </a:r>
+            <a:r>
+              <a:rPr lang="en-US" dirty="0"/>
+              <a:t>("</a:t>
+            </a:r>
+            <a:r>
+              <a:rPr lang="en-US" dirty="0" err="1"/>
+              <a:t>SoftQCD:nonDiffractive</a:t>
+            </a:r>
+            <a:r>
+              <a:rPr lang="en-US" dirty="0"/>
+              <a:t> = on");</a:t>
+            </a:r>
+          </a:p>
+          <a:p>
+            <a:r>
+              <a:rPr lang="en-US" dirty="0"/>
+              <a:t>// Color reconnection tune (CR) mode2 </a:t>
+            </a:r>
+          </a:p>
+          <a:p>
+            <a:r>
+              <a:rPr lang="en-US" dirty="0"/>
+              <a:t>  </a:t>
+            </a:r>
+            <a:r>
+              <a:rPr lang="en-US" dirty="0" err="1"/>
+              <a:t>pythia.readString</a:t>
+            </a:r>
+            <a:r>
+              <a:rPr lang="en-US" dirty="0"/>
+              <a:t>("</a:t>
+            </a:r>
+            <a:r>
+              <a:rPr lang="en-US" dirty="0" err="1"/>
+              <a:t>Tune:pp</a:t>
+            </a:r>
+            <a:r>
+              <a:rPr lang="en-US" dirty="0"/>
+              <a:t> 14");</a:t>
+            </a:r>
+          </a:p>
+          <a:p>
+            <a:r>
+              <a:rPr lang="en-US" dirty="0"/>
+              <a:t>  </a:t>
+            </a:r>
+            <a:r>
+              <a:rPr lang="en-US" dirty="0" err="1"/>
+              <a:t>pythia.readString</a:t>
+            </a:r>
+            <a:r>
+              <a:rPr lang="en-US" dirty="0"/>
+              <a:t>("</a:t>
+            </a:r>
+            <a:r>
+              <a:rPr lang="en-US" dirty="0" err="1"/>
+              <a:t>Tune:ee</a:t>
+            </a:r>
+            <a:r>
+              <a:rPr lang="en-US" dirty="0"/>
+              <a:t> 7");</a:t>
+            </a:r>
+          </a:p>
+          <a:p>
+            <a:r>
+              <a:rPr lang="en-US" dirty="0"/>
+              <a:t>  </a:t>
+            </a:r>
+            <a:r>
+              <a:rPr lang="en-US" dirty="0" err="1"/>
+              <a:t>pythia.readString</a:t>
+            </a:r>
+            <a:r>
+              <a:rPr lang="en-US" dirty="0"/>
+              <a:t>("</a:t>
+            </a:r>
+            <a:r>
+              <a:rPr lang="en-US" dirty="0" err="1"/>
+              <a:t>MultipartonInteractions:ecmPow</a:t>
+            </a:r>
+            <a:r>
+              <a:rPr lang="en-US" dirty="0"/>
+              <a:t>=0.215");</a:t>
+            </a:r>
+          </a:p>
+          <a:p>
+            <a:r>
+              <a:rPr lang="en-US" dirty="0"/>
+              <a:t>  </a:t>
+            </a:r>
+            <a:r>
+              <a:rPr lang="en-US" dirty="0" err="1"/>
+              <a:t>pythia.readString</a:t>
+            </a:r>
+            <a:r>
+              <a:rPr lang="en-US" dirty="0"/>
+              <a:t>("</a:t>
+            </a:r>
+            <a:r>
+              <a:rPr lang="en-US" dirty="0" err="1"/>
+              <a:t>MultipartonInteractions:expPow</a:t>
+            </a:r>
+            <a:r>
+              <a:rPr lang="en-US" dirty="0"/>
+              <a:t>=1.85");</a:t>
+            </a:r>
+          </a:p>
+          <a:p>
+            <a:r>
+              <a:rPr lang="en-US" dirty="0"/>
+              <a:t>  </a:t>
+            </a:r>
+            <a:r>
+              <a:rPr lang="en-US" dirty="0" err="1"/>
+              <a:t>pythia.readString</a:t>
+            </a:r>
+            <a:r>
+              <a:rPr lang="en-US" dirty="0"/>
+              <a:t>("</a:t>
+            </a:r>
+            <a:r>
+              <a:rPr lang="en-US" dirty="0" err="1"/>
+              <a:t>StringPT:sigma</a:t>
+            </a:r>
+            <a:r>
+              <a:rPr lang="en-US" dirty="0"/>
+              <a:t> =0.335");</a:t>
+            </a:r>
+          </a:p>
+          <a:p>
+            <a:r>
+              <a:rPr lang="en-US" dirty="0"/>
+              <a:t>  </a:t>
+            </a:r>
+            <a:r>
+              <a:rPr lang="en-US" dirty="0" err="1"/>
+              <a:t>pythia.readString</a:t>
+            </a:r>
+            <a:r>
+              <a:rPr lang="en-US" dirty="0"/>
+              <a:t>("</a:t>
+            </a:r>
+            <a:r>
+              <a:rPr lang="en-US" dirty="0" err="1"/>
+              <a:t>StringZ:aLund</a:t>
+            </a:r>
+            <a:r>
+              <a:rPr lang="en-US" dirty="0"/>
+              <a:t> =0.36");</a:t>
+            </a:r>
+          </a:p>
+          <a:p>
+            <a:r>
+              <a:rPr lang="en-US" dirty="0"/>
+              <a:t>  </a:t>
+            </a:r>
+            <a:r>
+              <a:rPr lang="en-US" dirty="0" err="1"/>
+              <a:t>pythia.readString</a:t>
+            </a:r>
+            <a:r>
+              <a:rPr lang="en-US" dirty="0"/>
+              <a:t>("</a:t>
+            </a:r>
+            <a:r>
+              <a:rPr lang="en-US" dirty="0" err="1"/>
+              <a:t>StringZ:bLund</a:t>
+            </a:r>
+            <a:r>
+              <a:rPr lang="en-US" dirty="0"/>
+              <a:t> =0.56");</a:t>
+            </a:r>
+          </a:p>
+          <a:p>
+            <a:r>
+              <a:rPr lang="en-US" dirty="0"/>
+              <a:t>  </a:t>
+            </a:r>
+            <a:r>
+              <a:rPr lang="en-US" dirty="0" err="1"/>
+              <a:t>pythia.readString</a:t>
+            </a:r>
+            <a:r>
+              <a:rPr lang="en-US" dirty="0"/>
+              <a:t>("</a:t>
+            </a:r>
+            <a:r>
+              <a:rPr lang="en-US" dirty="0" err="1"/>
+              <a:t>StringFlav:probQQtoQ</a:t>
+            </a:r>
+            <a:r>
+              <a:rPr lang="en-US" dirty="0"/>
+              <a:t> =0.078");</a:t>
+            </a:r>
+          </a:p>
+          <a:p>
+            <a:r>
+              <a:rPr lang="en-US" dirty="0"/>
+              <a:t>  </a:t>
+            </a:r>
+            <a:r>
+              <a:rPr lang="en-US" dirty="0" err="1"/>
+              <a:t>pythia.readString</a:t>
+            </a:r>
+            <a:r>
+              <a:rPr lang="en-US" dirty="0"/>
+              <a:t>("</a:t>
+            </a:r>
+            <a:r>
+              <a:rPr lang="en-US" dirty="0" err="1"/>
+              <a:t>StringFlav:ProbStoUD</a:t>
+            </a:r>
+            <a:r>
+              <a:rPr lang="en-US" dirty="0"/>
+              <a:t> =0.2");</a:t>
+            </a:r>
+          </a:p>
+          <a:p>
+            <a:r>
+              <a:rPr lang="en-US" dirty="0"/>
+              <a:t>  </a:t>
+            </a:r>
+            <a:r>
+              <a:rPr lang="en-US" dirty="0" err="1"/>
+              <a:t>pythia.readString</a:t>
+            </a:r>
+            <a:r>
+              <a:rPr lang="en-US" dirty="0"/>
+              <a:t>("StringFlav:probQQ1toQQ0join = 0.0275,0.0275,0.0275,0.0275");</a:t>
+            </a:r>
+          </a:p>
+          <a:p>
+            <a:r>
+              <a:rPr lang="en-US" dirty="0"/>
+              <a:t>  </a:t>
+            </a:r>
+            <a:r>
+              <a:rPr lang="en-US" dirty="0" err="1"/>
+              <a:t>pythia.readString</a:t>
+            </a:r>
+            <a:r>
+              <a:rPr lang="en-US" dirty="0"/>
+              <a:t>("MultiPartonInteractions:pT0Ref =2.15");</a:t>
+            </a:r>
+          </a:p>
+          <a:p>
+            <a:r>
+              <a:rPr lang="en-US" dirty="0"/>
+              <a:t>  </a:t>
+            </a:r>
+            <a:r>
+              <a:rPr lang="en-US" dirty="0" err="1"/>
+              <a:t>pythia.readString</a:t>
+            </a:r>
+            <a:r>
+              <a:rPr lang="en-US" dirty="0"/>
+              <a:t>("</a:t>
+            </a:r>
+            <a:r>
+              <a:rPr lang="en-US" dirty="0" err="1"/>
+              <a:t>BeamRemnants:remnantMode</a:t>
+            </a:r>
+            <a:r>
+              <a:rPr lang="en-US" dirty="0"/>
+              <a:t> =1");</a:t>
+            </a:r>
+          </a:p>
+          <a:p>
+            <a:r>
+              <a:rPr lang="en-US" dirty="0"/>
+              <a:t>  </a:t>
+            </a:r>
+            <a:r>
+              <a:rPr lang="en-US" dirty="0" err="1"/>
+              <a:t>pythia.readString</a:t>
+            </a:r>
+            <a:r>
+              <a:rPr lang="en-US" dirty="0"/>
+              <a:t>("</a:t>
+            </a:r>
+            <a:r>
+              <a:rPr lang="en-US" dirty="0" err="1"/>
+              <a:t>BeamRemnants:saturation</a:t>
+            </a:r>
+            <a:r>
+              <a:rPr lang="en-US" dirty="0"/>
+              <a:t>= 5");</a:t>
+            </a:r>
+          </a:p>
+          <a:p>
+            <a:r>
+              <a:rPr lang="en-US" dirty="0"/>
+              <a:t>  </a:t>
+            </a:r>
+            <a:r>
+              <a:rPr lang="en-US" dirty="0" err="1"/>
+              <a:t>pythia.readString</a:t>
+            </a:r>
+            <a:r>
+              <a:rPr lang="en-US" dirty="0"/>
+              <a:t>("</a:t>
+            </a:r>
+            <a:r>
+              <a:rPr lang="en-US" dirty="0" err="1"/>
+              <a:t>ColourReconnection:mode</a:t>
+            </a:r>
+            <a:r>
+              <a:rPr lang="en-US" dirty="0"/>
+              <a:t> = 1");</a:t>
+            </a:r>
+          </a:p>
+          <a:p>
+            <a:r>
+              <a:rPr lang="en-US" dirty="0"/>
+              <a:t>  </a:t>
+            </a:r>
+            <a:r>
+              <a:rPr lang="en-US" dirty="0" err="1"/>
+              <a:t>pythia.readString</a:t>
+            </a:r>
+            <a:r>
+              <a:rPr lang="en-US" dirty="0"/>
+              <a:t>("</a:t>
+            </a:r>
+            <a:r>
+              <a:rPr lang="en-US" dirty="0" err="1"/>
+              <a:t>ColourReconnection:allowDoubleJunRem</a:t>
+            </a:r>
+            <a:r>
+              <a:rPr lang="en-US" dirty="0"/>
+              <a:t> =off");</a:t>
+            </a:r>
+          </a:p>
+          <a:p>
+            <a:r>
+              <a:rPr lang="en-US" dirty="0"/>
+              <a:t>  </a:t>
+            </a:r>
+            <a:r>
+              <a:rPr lang="en-US" dirty="0" err="1"/>
+              <a:t>pythia.readString</a:t>
+            </a:r>
+            <a:r>
+              <a:rPr lang="en-US" dirty="0"/>
+              <a:t>("ColourReconnection:m0=0.3");</a:t>
+            </a:r>
+          </a:p>
+          <a:p>
+            <a:r>
+              <a:rPr lang="en-US" dirty="0"/>
+              <a:t>  </a:t>
+            </a:r>
+            <a:r>
+              <a:rPr lang="en-US" dirty="0" err="1"/>
+              <a:t>pythia.readString</a:t>
+            </a:r>
+            <a:r>
+              <a:rPr lang="en-US" dirty="0"/>
+              <a:t>("</a:t>
+            </a:r>
+            <a:r>
+              <a:rPr lang="en-US" dirty="0" err="1"/>
+              <a:t>ColourReconnection:allowJunctions</a:t>
+            </a:r>
+            <a:r>
+              <a:rPr lang="en-US" dirty="0"/>
+              <a:t> =on");</a:t>
+            </a:r>
+          </a:p>
+          <a:p>
+            <a:r>
+              <a:rPr lang="en-US" dirty="0"/>
+              <a:t>  </a:t>
+            </a:r>
+            <a:r>
+              <a:rPr lang="en-US" dirty="0" err="1"/>
+              <a:t>pythia.readString</a:t>
+            </a:r>
+            <a:r>
+              <a:rPr lang="en-US" dirty="0"/>
+              <a:t>("</a:t>
+            </a:r>
+            <a:r>
+              <a:rPr lang="en-US" dirty="0" err="1"/>
+              <a:t>ColourReconnection:junctionCorrection</a:t>
+            </a:r>
+            <a:r>
+              <a:rPr lang="en-US" dirty="0"/>
+              <a:t>=1.2");</a:t>
+            </a:r>
+          </a:p>
+          <a:p>
+            <a:r>
+              <a:rPr lang="en-US" dirty="0"/>
+              <a:t>  </a:t>
+            </a:r>
+            <a:r>
+              <a:rPr lang="en-US" dirty="0" err="1"/>
+              <a:t>pythia.readString</a:t>
+            </a:r>
+            <a:r>
+              <a:rPr lang="en-US" dirty="0"/>
+              <a:t>("</a:t>
+            </a:r>
+            <a:r>
+              <a:rPr lang="en-US" dirty="0" err="1"/>
+              <a:t>ColourReconnection:timeDilationMode</a:t>
+            </a:r>
+            <a:r>
+              <a:rPr lang="en-US" dirty="0"/>
+              <a:t>=2");</a:t>
+            </a:r>
+          </a:p>
+          <a:p>
+            <a:r>
+              <a:rPr lang="en-US" dirty="0"/>
+              <a:t>  </a:t>
+            </a:r>
+            <a:r>
+              <a:rPr lang="en-US" dirty="0" err="1"/>
+              <a:t>pythia.readString</a:t>
+            </a:r>
+            <a:r>
+              <a:rPr lang="en-US" dirty="0"/>
+              <a:t>("</a:t>
+            </a:r>
+            <a:r>
+              <a:rPr lang="en-US" dirty="0" err="1"/>
+              <a:t>ColourReconnection:timeDilationPar</a:t>
+            </a:r>
+            <a:r>
+              <a:rPr lang="en-US" dirty="0"/>
+              <a:t>=0.18");</a:t>
+            </a:r>
+          </a:p>
+        </p:txBody>
+      </p:sp>
+      <p:sp>
+        <p:nvSpPr>
+          <p:cNvPr id="3" name="TextBox 2">
+            <a:extLst>
+              <a:ext uri="{FF2B5EF4-FFF2-40B4-BE49-F238E27FC236}">
+                <a16:creationId xmlns:a16="http://schemas.microsoft.com/office/drawing/2014/main" id="{7D046BBB-BE56-4A43-9509-6550E82FD0A6}"/>
+              </a:ext>
+            </a:extLst>
+          </p:cNvPr>
+          <p:cNvSpPr txBox="1"/>
+          <p:nvPr/>
+        </p:nvSpPr>
+        <p:spPr>
+          <a:xfrm>
+            <a:off x="6962502" y="548641"/>
+            <a:ext cx="5085806" cy="4601260"/>
+          </a:xfrm>
+          <a:prstGeom prst="rect">
+            <a:avLst/>
+          </a:prstGeom>
+          <a:noFill/>
+        </p:spPr>
+        <p:txBody>
+          <a:bodyPr wrap="square" rtlCol="0">
+            <a:spAutoFit/>
+          </a:bodyPr>
+          <a:lstStyle/>
+          <a:p>
             <a:pPr marL="285750" indent="-285750">
               <a:buFont typeface="Arial" panose="020B0604020202020204" pitchFamily="34" charset="0"/>
               <a:buChar char="•"/>
             </a:pPr>
             <a:r>
-              <a:rPr lang="en-US" dirty="0"/>
-              <a:t>|y|&lt;2 for </a:t>
-            </a:r>
-            <a:r>
-              <a:rPr lang="en-US" dirty="0" err="1"/>
+              <a:rPr lang="en-US" sz="2500" dirty="0"/>
+              <a:t>Rui’s </a:t>
+            </a:r>
+            <a:r>
+              <a:rPr lang="en-US" sz="2500" dirty="0" err="1"/>
               <a:t>pythia</a:t>
             </a:r>
             <a:r>
-              <a:rPr lang="en-US" dirty="0"/>
-              <a:t>; FONLL |y|&lt;7. Inconsistent</a:t>
+              <a:rPr lang="en-US" sz="2500" dirty="0"/>
+              <a:t> root file is no available anymore; </a:t>
             </a:r>
           </a:p>
           <a:p>
@@ -5124,28 +6710,74 @@
               <a:buChar char="•"/>
             </a:pPr>
             <a:r>
-              <a:rPr lang="en-US" dirty="0"/>
-              <a:t>My bug: FONLL spectra did not divide 1/</a:t>
-            </a:r>
-            <a:r>
-              <a:rPr lang="en-US" dirty="0" err="1"/>
-              <a:t>lum</a:t>
-            </a:r>
-            <a:r>
-              <a:rPr lang="en-US" dirty="0"/>
-              <a:t>/2 and </a:t>
-            </a:r>
-            <a:r>
-              <a:rPr lang="en-US"/>
-              <a:t>bin width</a:t>
-            </a:r>
+              <a:rPr lang="en-US" sz="2500" dirty="0"/>
+              <a:t>We need to redo the </a:t>
+            </a:r>
+            <a:r>
+              <a:rPr lang="en-US" sz="2500" dirty="0" err="1"/>
+              <a:t>pythia</a:t>
+            </a:r>
+            <a:r>
+              <a:rPr lang="en-US" sz="2500" dirty="0"/>
+              <a:t> simulation to estimate the prompt ratio. </a:t>
+            </a:r>
+          </a:p>
+          <a:p>
+            <a:endParaRPr lang="en-US" sz="2500" dirty="0"/>
+          </a:p>
+          <a:p>
+            <a:pPr marL="285750" indent="-285750">
+              <a:buFont typeface="Arial" panose="020B0604020202020204" pitchFamily="34" charset="0"/>
+              <a:buChar char="•"/>
+            </a:pPr>
+            <a:r>
+              <a:rPr lang="en-US" sz="2500" dirty="0"/>
+              <a:t>all codes are at: </a:t>
+            </a:r>
+          </a:p>
+          <a:p>
+            <a:pPr marL="285750" indent="-285750">
+              <a:buFont typeface="Arial" panose="020B0604020202020204" pitchFamily="34" charset="0"/>
+              <a:buChar char="•"/>
+            </a:pPr>
+            <a:r>
+              <a:rPr lang="en-US" sz="2500" dirty="0">
+                <a:hlinkClick r:id="rId2"/>
+              </a:rPr>
+              <a:t>https://github.com/wxie2013/LambdaC-PYTHIA8-simulation.git</a:t>
+            </a:r>
+            <a:endParaRPr lang="en-US" sz="2500" dirty="0"/>
+          </a:p>
+          <a:p>
+            <a:pPr marL="285750" indent="-285750">
+              <a:buFont typeface="Arial" panose="020B0604020202020204" pitchFamily="34" charset="0"/>
+              <a:buChar char="•"/>
+            </a:pPr>
+            <a:endParaRPr lang="en-US" sz="2500" dirty="0"/>
+          </a:p>
+          <a:p>
+            <a:pPr marL="285750" indent="-285750">
+              <a:buFont typeface="Arial" panose="020B0604020202020204" pitchFamily="34" charset="0"/>
+              <a:buChar char="•"/>
+            </a:pPr>
+            <a:r>
+              <a:rPr lang="en-US" sz="2500" dirty="0"/>
+              <a:t>PYTHIA8302. </a:t>
+            </a:r>
+          </a:p>
+          <a:p>
+            <a:pPr marL="285750" indent="-285750">
+              <a:buFont typeface="Arial" panose="020B0604020202020204" pitchFamily="34" charset="0"/>
+              <a:buChar char="•"/>
+            </a:pPr>
+            <a:endParaRPr lang="en-US" dirty="0"/>
           </a:p>
         </p:txBody>
       </p:sp>
     </p:spTree>
     <p:extLst>
       <p:ext uri="{BB962C8B-B14F-4D97-AF65-F5344CB8AC3E}">
-        <p14:creationId xmlns:p14="http://schemas.microsoft.com/office/powerpoint/2010/main" val="4217540357"/>
+        <p14:creationId xmlns:p14="http://schemas.microsoft.com/office/powerpoint/2010/main" val="232195087"/>
       </p:ext>
     </p:extLst>
   </p:cSld>
